--- a/pptx files/template.pptx
+++ b/pptx files/template.pptx
@@ -265,7 +265,7 @@
           <a:p>
             <a:fld id="{0A877BDB-11B2-4930-B5BC-B225BAAF656E}" type="datetimeFigureOut">
               <a:rPr lang="ru-RU" smtClean="0"/>
-              <a:t>16.05.2024</a:t>
+              <a:t>18.05.2024</a:t>
             </a:fld>
             <a:endParaRPr lang="ru-RU"/>
           </a:p>
@@ -728,7 +728,7 @@
           <a:p>
             <a:fld id="{0481D2A0-615A-495C-AAC3-076BD24B5AC2}" type="datetime1">
               <a:rPr lang="en-US" smtClean="0"/>
-              <a:t>5/16/2024</a:t>
+              <a:t>5/18/2024</a:t>
             </a:fld>
             <a:endParaRPr lang="en-US" dirty="0"/>
           </a:p>
@@ -944,7 +944,7 @@
           <a:p>
             <a:fld id="{4F0CBB85-BB87-49D4-AB0E-0CB70251720F}" type="datetime1">
               <a:rPr lang="en-US" smtClean="0"/>
-              <a:t>5/16/2024</a:t>
+              <a:t>5/18/2024</a:t>
             </a:fld>
             <a:endParaRPr lang="en-US" dirty="0"/>
           </a:p>
@@ -1119,7 +1119,7 @@
           <a:p>
             <a:fld id="{674A95E8-380C-454C-961C-DE8BB6D4172C}" type="datetime1">
               <a:rPr lang="en-US" smtClean="0"/>
-              <a:t>5/16/2024</a:t>
+              <a:t>5/18/2024</a:t>
             </a:fld>
             <a:endParaRPr lang="en-US" dirty="0"/>
           </a:p>
@@ -1553,7 +1553,7 @@
           <a:p>
             <a:fld id="{E8BF88D9-BF1E-44C3-B3F7-76B877B70ABE}" type="datetime1">
               <a:rPr lang="en-US" smtClean="0"/>
-              <a:t>5/16/2024</a:t>
+              <a:t>5/18/2024</a:t>
             </a:fld>
             <a:endParaRPr lang="en-US" dirty="0"/>
           </a:p>
@@ -1799,7 +1799,7 @@
           <a:p>
             <a:fld id="{AAF6A925-496E-46F9-9506-ECF59DA423D2}" type="datetime1">
               <a:rPr lang="en-US" smtClean="0"/>
-              <a:t>5/16/2024</a:t>
+              <a:t>5/18/2024</a:t>
             </a:fld>
             <a:endParaRPr lang="en-US" dirty="0"/>
           </a:p>
@@ -2117,7 +2117,7 @@
           <a:p>
             <a:fld id="{DD9A44E5-1915-4DB4-92B6-1578EAA04E25}" type="datetime1">
               <a:rPr lang="en-US" smtClean="0"/>
-              <a:t>5/16/2024</a:t>
+              <a:t>5/18/2024</a:t>
             </a:fld>
             <a:endParaRPr lang="en-US" dirty="0"/>
           </a:p>
@@ -2536,7 +2536,7 @@
           <a:p>
             <a:fld id="{46872485-D23F-4DC2-9A26-D5BC5835D139}" type="datetime1">
               <a:rPr lang="en-US" smtClean="0"/>
-              <a:t>5/16/2024</a:t>
+              <a:t>5/18/2024</a:t>
             </a:fld>
             <a:endParaRPr lang="en-US" dirty="0"/>
           </a:p>
@@ -2649,7 +2649,7 @@
           <a:p>
             <a:fld id="{3FC6D252-79F7-40F9-9331-11191614BDDD}" type="datetime1">
               <a:rPr lang="en-US" smtClean="0"/>
-              <a:t>5/16/2024</a:t>
+              <a:t>5/18/2024</a:t>
             </a:fld>
             <a:endParaRPr lang="en-US" dirty="0"/>
           </a:p>
@@ -2739,7 +2739,7 @@
           <a:p>
             <a:fld id="{2D85E303-5398-4053-BFC1-6623E5D09A74}" type="datetime1">
               <a:rPr lang="en-US" smtClean="0"/>
-              <a:t>5/16/2024</a:t>
+              <a:t>5/18/2024</a:t>
             </a:fld>
             <a:endParaRPr lang="en-US" dirty="0"/>
           </a:p>
@@ -3024,7 +3024,7 @@
           <a:p>
             <a:fld id="{EB9216B2-E684-4292-9850-689ECE4D6801}" type="datetime1">
               <a:rPr lang="en-US" smtClean="0"/>
-              <a:t>5/16/2024</a:t>
+              <a:t>5/18/2024</a:t>
             </a:fld>
             <a:endParaRPr lang="en-US" dirty="0"/>
           </a:p>
@@ -3291,7 +3291,7 @@
           <a:p>
             <a:fld id="{E60F0D14-3360-4D0E-862A-7D087E463E36}" type="datetime1">
               <a:rPr lang="en-US" smtClean="0"/>
-              <a:t>5/16/2024</a:t>
+              <a:t>5/18/2024</a:t>
             </a:fld>
             <a:endParaRPr lang="en-US" dirty="0"/>
           </a:p>
@@ -3540,7 +3540,7 @@
           <a:p>
             <a:fld id="{880885A9-5AAF-44F8-8759-06A69F6B6BD4}" type="datetime1">
               <a:rPr lang="en-US" smtClean="0"/>
-              <a:t>5/16/2024</a:t>
+              <a:t>5/18/2024</a:t>
             </a:fld>
             <a:endParaRPr lang="en-US" dirty="0"/>
           </a:p>
@@ -5783,234 +5783,6 @@
           </a:p>
         </p:txBody>
       </p:sp>
-      <p:graphicFrame>
-        <p:nvGraphicFramePr>
-          <p:cNvPr id="4" name="Объект 3">
-            <a:extLst>
-              <a:ext uri="{FF2B5EF4-FFF2-40B4-BE49-F238E27FC236}">
-                <a16:creationId xmlns:a16="http://schemas.microsoft.com/office/drawing/2014/main" id="{19E76A38-647E-A404-E9AB-3CC2C88738C1}"/>
-              </a:ext>
-            </a:extLst>
-          </p:cNvPr>
-          <p:cNvGraphicFramePr>
-            <a:graphicFrameLocks noGrp="1"/>
-          </p:cNvGraphicFramePr>
-          <p:nvPr>
-            <p:ph idx="1"/>
-            <p:extLst>
-              <p:ext uri="{D42A27DB-BD31-4B8C-83A1-F6EECF244321}">
-                <p14:modId xmlns:p14="http://schemas.microsoft.com/office/powerpoint/2010/main" val="60851333"/>
-              </p:ext>
-            </p:extLst>
-          </p:nvPr>
-        </p:nvGraphicFramePr>
-        <p:xfrm>
-          <a:off x="2230016" y="3931398"/>
-          <a:ext cx="6699380" cy="1863222"/>
-        </p:xfrm>
-        <a:graphic>
-          <a:graphicData uri="http://schemas.openxmlformats.org/drawingml/2006/table">
-            <a:tbl>
-              <a:tblPr>
-                <a:tableStyleId>{5C22544A-7EE6-4342-B048-85BDC9FD1C3A}</a:tableStyleId>
-              </a:tblPr>
-              <a:tblGrid>
-                <a:gridCol w="1830622">
-                  <a:extLst>
-                    <a:ext uri="{9D8B030D-6E8A-4147-A177-3AD203B41FA5}">
-                      <a16:colId xmlns:a16="http://schemas.microsoft.com/office/drawing/2014/main" val="2130575193"/>
-                    </a:ext>
-                  </a:extLst>
-                </a:gridCol>
-                <a:gridCol w="2078905">
-                  <a:extLst>
-                    <a:ext uri="{9D8B030D-6E8A-4147-A177-3AD203B41FA5}">
-                      <a16:colId xmlns:a16="http://schemas.microsoft.com/office/drawing/2014/main" val="3468781802"/>
-                    </a:ext>
-                  </a:extLst>
-                </a:gridCol>
-                <a:gridCol w="2789853">
-                  <a:extLst>
-                    <a:ext uri="{9D8B030D-6E8A-4147-A177-3AD203B41FA5}">
-                      <a16:colId xmlns:a16="http://schemas.microsoft.com/office/drawing/2014/main" val="93921468"/>
-                    </a:ext>
-                  </a:extLst>
-                </a:gridCol>
-              </a:tblGrid>
-              <a:tr h="931611">
-                <a:tc>
-                  <a:txBody>
-                    <a:bodyPr/>
-                    <a:lstStyle/>
-                    <a:p>
-                      <a:pPr algn="ctr" fontAlgn="t"/>
-                      <a:r>
-                        <a:rPr lang="en-US" sz="3600" u="none" strike="noStrike" dirty="0" err="1">
-                          <a:effectLst/>
-                          <a:latin typeface="Arial" panose="020B0604020202020204" pitchFamily="34" charset="0"/>
-                          <a:cs typeface="Arial" panose="020B0604020202020204" pitchFamily="34" charset="0"/>
-                        </a:rPr>
-                        <a:t>S_group</a:t>
-                      </a:r>
-                      <a:endParaRPr lang="en-US" sz="3600" b="1" i="0" u="none" strike="noStrike" dirty="0">
-                        <a:solidFill>
-                          <a:srgbClr val="000000"/>
-                        </a:solidFill>
-                        <a:effectLst/>
-                        <a:latin typeface="Arial" panose="020B0604020202020204" pitchFamily="34" charset="0"/>
-                        <a:cs typeface="Arial" panose="020B0604020202020204" pitchFamily="34" charset="0"/>
-                      </a:endParaRPr>
-                    </a:p>
-                  </a:txBody>
-                  <a:tcPr marL="7620" marR="7620" marT="7620" marB="0"/>
-                </a:tc>
-                <a:tc>
-                  <a:txBody>
-                    <a:bodyPr/>
-                    <a:lstStyle/>
-                    <a:p>
-                      <a:pPr algn="ctr" fontAlgn="t"/>
-                      <a:r>
-                        <a:rPr lang="en-US" sz="3600" u="none" strike="noStrike" dirty="0" err="1">
-                          <a:effectLst/>
-                          <a:latin typeface="Arial" panose="020B0604020202020204" pitchFamily="34" charset="0"/>
-                          <a:cs typeface="Arial" panose="020B0604020202020204" pitchFamily="34" charset="0"/>
-                        </a:rPr>
-                        <a:t>E_group</a:t>
-                      </a:r>
-                      <a:endParaRPr lang="en-US" sz="3600" b="1" i="0" u="none" strike="noStrike" dirty="0">
-                        <a:solidFill>
-                          <a:srgbClr val="000000"/>
-                        </a:solidFill>
-                        <a:effectLst/>
-                        <a:latin typeface="Arial" panose="020B0604020202020204" pitchFamily="34" charset="0"/>
-                        <a:cs typeface="Arial" panose="020B0604020202020204" pitchFamily="34" charset="0"/>
-                      </a:endParaRPr>
-                    </a:p>
-                  </a:txBody>
-                  <a:tcPr marL="7620" marR="7620" marT="7620" marB="0"/>
-                </a:tc>
-                <a:tc>
-                  <a:txBody>
-                    <a:bodyPr/>
-                    <a:lstStyle/>
-                    <a:p>
-                      <a:pPr algn="ctr" fontAlgn="t"/>
-                      <a:r>
-                        <a:rPr lang="en-US" sz="3600" u="none" strike="noStrike" dirty="0" err="1">
-                          <a:effectLst/>
-                          <a:latin typeface="Arial" panose="020B0604020202020204" pitchFamily="34" charset="0"/>
-                          <a:cs typeface="Arial" panose="020B0604020202020204" pitchFamily="34" charset="0"/>
-                        </a:rPr>
-                        <a:t>BB_group</a:t>
-                      </a:r>
-                      <a:endParaRPr lang="en-US" sz="3600" b="1" i="0" u="none" strike="noStrike" dirty="0">
-                        <a:solidFill>
-                          <a:srgbClr val="000000"/>
-                        </a:solidFill>
-                        <a:effectLst/>
-                        <a:latin typeface="Arial" panose="020B0604020202020204" pitchFamily="34" charset="0"/>
-                        <a:cs typeface="Arial" panose="020B0604020202020204" pitchFamily="34" charset="0"/>
-                      </a:endParaRPr>
-                    </a:p>
-                  </a:txBody>
-                  <a:tcPr marL="7620" marR="7620" marT="7620" marB="0"/>
-                </a:tc>
-                <a:extLst>
-                  <a:ext uri="{0D108BD9-81ED-4DB2-BD59-A6C34878D82A}">
-                    <a16:rowId xmlns:a16="http://schemas.microsoft.com/office/drawing/2014/main" val="3263369089"/>
-                  </a:ext>
-                </a:extLst>
-              </a:tr>
-              <a:tr h="931611">
-                <a:tc>
-                  <a:txBody>
-                    <a:bodyPr/>
-                    <a:lstStyle/>
-                    <a:p>
-                      <a:pPr algn="ctr" fontAlgn="b"/>
-                      <a:r>
-                        <a:rPr lang="ru-RU" sz="3600" u="none" strike="noStrike" dirty="0">
-                          <a:effectLst/>
-                          <a:latin typeface="Arial" panose="020B0604020202020204" pitchFamily="34" charset="0"/>
-                          <a:cs typeface="Arial" panose="020B0604020202020204" pitchFamily="34" charset="0"/>
-                        </a:rPr>
-                        <a:t>23.81%</a:t>
-                      </a:r>
-                      <a:endParaRPr lang="ru-RU" sz="3600" b="0" i="0" u="none" strike="noStrike" dirty="0">
-                        <a:solidFill>
-                          <a:srgbClr val="000000"/>
-                        </a:solidFill>
-                        <a:effectLst/>
-                        <a:latin typeface="Arial" panose="020B0604020202020204" pitchFamily="34" charset="0"/>
-                        <a:cs typeface="Arial" panose="020B0604020202020204" pitchFamily="34" charset="0"/>
-                      </a:endParaRPr>
-                    </a:p>
-                  </a:txBody>
-                  <a:tcPr marL="7620" marR="7620" marT="7620" marB="0" anchor="b"/>
-                </a:tc>
-                <a:tc>
-                  <a:txBody>
-                    <a:bodyPr/>
-                    <a:lstStyle/>
-                    <a:p>
-                      <a:pPr algn="ctr" fontAlgn="b"/>
-                      <a:r>
-                        <a:rPr lang="ru-RU" sz="3600" u="none" strike="noStrike" dirty="0">
-                          <a:effectLst/>
-                          <a:latin typeface="Arial" panose="020B0604020202020204" pitchFamily="34" charset="0"/>
-                          <a:cs typeface="Arial" panose="020B0604020202020204" pitchFamily="34" charset="0"/>
-                        </a:rPr>
-                        <a:t>4.2</a:t>
-                      </a:r>
-                      <a:endParaRPr lang="ru-RU" sz="3600" b="0" i="0" u="none" strike="noStrike" dirty="0">
-                        <a:solidFill>
-                          <a:srgbClr val="000000"/>
-                        </a:solidFill>
-                        <a:effectLst/>
-                        <a:latin typeface="Arial" panose="020B0604020202020204" pitchFamily="34" charset="0"/>
-                        <a:cs typeface="Arial" panose="020B0604020202020204" pitchFamily="34" charset="0"/>
-                      </a:endParaRPr>
-                    </a:p>
-                  </a:txBody>
-                  <a:tcPr marL="7620" marR="7620" marT="7620" marB="0" anchor="b"/>
-                </a:tc>
-                <a:tc>
-                  <a:txBody>
-                    <a:bodyPr/>
-                    <a:lstStyle/>
-                    <a:p>
-                      <a:pPr algn="ctr" fontAlgn="b"/>
-                      <a:r>
-                        <a:rPr lang="ru-RU" sz="3600" u="none" strike="noStrike" dirty="0">
-                          <a:effectLst/>
-                          <a:latin typeface="Arial" panose="020B0604020202020204" pitchFamily="34" charset="0"/>
-                          <a:cs typeface="Arial" panose="020B0604020202020204" pitchFamily="34" charset="0"/>
-                        </a:rPr>
-                        <a:t>8.333%</a:t>
-                      </a:r>
-                      <a:endParaRPr lang="ru-RU" sz="3600" b="0" i="0" u="none" strike="noStrike" dirty="0">
-                        <a:solidFill>
-                          <a:srgbClr val="000000"/>
-                        </a:solidFill>
-                        <a:effectLst/>
-                        <a:latin typeface="Arial" panose="020B0604020202020204" pitchFamily="34" charset="0"/>
-                        <a:cs typeface="Arial" panose="020B0604020202020204" pitchFamily="34" charset="0"/>
-                      </a:endParaRPr>
-                    </a:p>
-                  </a:txBody>
-                  <a:tcPr marL="7620" marR="7620" marT="7620" marB="0" anchor="b"/>
-                </a:tc>
-                <a:extLst>
-                  <a:ext uri="{0D108BD9-81ED-4DB2-BD59-A6C34878D82A}">
-                    <a16:rowId xmlns:a16="http://schemas.microsoft.com/office/drawing/2014/main" val="2050163306"/>
-                  </a:ext>
-                </a:extLst>
-              </a:tr>
-            </a:tbl>
-          </a:graphicData>
-        </a:graphic>
-      </p:graphicFrame>
       <p:sp>
         <p:nvSpPr>
           <p:cNvPr id="3" name="Номер слайда 2">
@@ -13166,687 +12938,6 @@
           </a:p>
         </p:txBody>
       </p:sp>
-      <p:graphicFrame>
-        <p:nvGraphicFramePr>
-          <p:cNvPr id="5" name="Объект 4">
-            <a:extLst>
-              <a:ext uri="{FF2B5EF4-FFF2-40B4-BE49-F238E27FC236}">
-                <a16:creationId xmlns:a16="http://schemas.microsoft.com/office/drawing/2014/main" id="{7C17CB4C-F1C8-D96A-556C-18FFCECAF34E}"/>
-              </a:ext>
-            </a:extLst>
-          </p:cNvPr>
-          <p:cNvGraphicFramePr>
-            <a:graphicFrameLocks noGrp="1"/>
-          </p:cNvGraphicFramePr>
-          <p:nvPr>
-            <p:ph idx="1"/>
-            <p:extLst>
-              <p:ext uri="{D42A27DB-BD31-4B8C-83A1-F6EECF244321}">
-                <p14:modId xmlns:p14="http://schemas.microsoft.com/office/powerpoint/2010/main" val="778139496"/>
-              </p:ext>
-            </p:extLst>
-          </p:nvPr>
-        </p:nvGraphicFramePr>
-        <p:xfrm>
-          <a:off x="1049694" y="1963930"/>
-          <a:ext cx="9872660" cy="3893820"/>
-        </p:xfrm>
-        <a:graphic>
-          <a:graphicData uri="http://schemas.openxmlformats.org/drawingml/2006/table">
-            <a:tbl>
-              <a:tblPr firstRow="1" bandRow="1">
-                <a:tableStyleId>{5C22544A-7EE6-4342-B048-85BDC9FD1C3A}</a:tableStyleId>
-              </a:tblPr>
-              <a:tblGrid>
-                <a:gridCol w="1768151">
-                  <a:extLst>
-                    <a:ext uri="{9D8B030D-6E8A-4147-A177-3AD203B41FA5}">
-                      <a16:colId xmlns:a16="http://schemas.microsoft.com/office/drawing/2014/main" val="982439773"/>
-                    </a:ext>
-                  </a:extLst>
-                </a:gridCol>
-                <a:gridCol w="737118">
-                  <a:extLst>
-                    <a:ext uri="{9D8B030D-6E8A-4147-A177-3AD203B41FA5}">
-                      <a16:colId xmlns:a16="http://schemas.microsoft.com/office/drawing/2014/main" val="2227455415"/>
-                    </a:ext>
-                  </a:extLst>
-                </a:gridCol>
-                <a:gridCol w="3135086">
-                  <a:extLst>
-                    <a:ext uri="{9D8B030D-6E8A-4147-A177-3AD203B41FA5}">
-                      <a16:colId xmlns:a16="http://schemas.microsoft.com/office/drawing/2014/main" val="2172317831"/>
-                    </a:ext>
-                  </a:extLst>
-                </a:gridCol>
-                <a:gridCol w="4232305">
-                  <a:extLst>
-                    <a:ext uri="{9D8B030D-6E8A-4147-A177-3AD203B41FA5}">
-                      <a16:colId xmlns:a16="http://schemas.microsoft.com/office/drawing/2014/main" val="1592805057"/>
-                    </a:ext>
-                  </a:extLst>
-                </a:gridCol>
-              </a:tblGrid>
-              <a:tr h="370840">
-                <a:tc>
-                  <a:txBody>
-                    <a:bodyPr/>
-                    <a:lstStyle/>
-                    <a:p>
-                      <a:pPr algn="l" fontAlgn="b"/>
-                      <a:r>
-                        <a:rPr lang="ru-RU" sz="3600" b="0" i="0" u="none" strike="noStrike" dirty="0">
-                          <a:solidFill>
-                            <a:srgbClr val="000000"/>
-                          </a:solidFill>
-                          <a:effectLst/>
-                          <a:latin typeface="Calibri" panose="020F0502020204030204" pitchFamily="34" charset="0"/>
-                        </a:rPr>
-                        <a:t>Рейтинг</a:t>
-                      </a:r>
-                    </a:p>
-                  </a:txBody>
-                  <a:tcPr marL="7620" marR="7620" marT="7620" marB="0" anchor="b"/>
-                </a:tc>
-                <a:tc>
-                  <a:txBody>
-                    <a:bodyPr/>
-                    <a:lstStyle/>
-                    <a:p>
-                      <a:pPr algn="l" fontAlgn="b"/>
-                      <a:r>
-                        <a:rPr lang="ru-RU" sz="3600" b="0" i="0" u="none" strike="noStrike" dirty="0">
-                          <a:solidFill>
-                            <a:srgbClr val="000000"/>
-                          </a:solidFill>
-                          <a:effectLst/>
-                          <a:latin typeface="Calibri" panose="020F0502020204030204" pitchFamily="34" charset="0"/>
-                        </a:rPr>
-                        <a:t>п/п</a:t>
-                      </a:r>
-                    </a:p>
-                  </a:txBody>
-                  <a:tcPr marL="7620" marR="7620" marT="7620" marB="0" anchor="b"/>
-                </a:tc>
-                <a:tc>
-                  <a:txBody>
-                    <a:bodyPr/>
-                    <a:lstStyle/>
-                    <a:p>
-                      <a:pPr algn="l" fontAlgn="b"/>
-                      <a:r>
-                        <a:rPr lang="ru-RU" sz="3600" b="0" i="0" u="none" strike="noStrike" dirty="0">
-                          <a:solidFill>
-                            <a:srgbClr val="000000"/>
-                          </a:solidFill>
-                          <a:effectLst/>
-                          <a:latin typeface="Calibri" panose="020F0502020204030204" pitchFamily="34" charset="0"/>
-                        </a:rPr>
-                        <a:t>Вид общения</a:t>
-                      </a:r>
-                    </a:p>
-                  </a:txBody>
-                  <a:tcPr marL="7620" marR="7620" marT="7620" marB="0" anchor="b"/>
-                </a:tc>
-                <a:tc>
-                  <a:txBody>
-                    <a:bodyPr/>
-                    <a:lstStyle/>
-                    <a:p>
-                      <a:pPr algn="l" fontAlgn="b"/>
-                      <a:r>
-                        <a:rPr lang="en-US" sz="3600" b="0" i="0" u="none" strike="noStrike" dirty="0" err="1">
-                          <a:solidFill>
-                            <a:srgbClr val="000000"/>
-                          </a:solidFill>
-                          <a:effectLst/>
-                          <a:latin typeface="Calibri" panose="020F0502020204030204" pitchFamily="34" charset="0"/>
-                        </a:rPr>
-                        <a:t>S_group</a:t>
-                      </a:r>
-                      <a:endParaRPr lang="en-US" sz="3600" b="0" i="0" u="none" strike="noStrike" dirty="0">
-                        <a:solidFill>
-                          <a:srgbClr val="000000"/>
-                        </a:solidFill>
-                        <a:effectLst/>
-                        <a:latin typeface="Calibri" panose="020F0502020204030204" pitchFamily="34" charset="0"/>
-                      </a:endParaRPr>
-                    </a:p>
-                  </a:txBody>
-                  <a:tcPr marL="7620" marR="7620" marT="7620" marB="0" anchor="b"/>
-                </a:tc>
-                <a:extLst>
-                  <a:ext uri="{0D108BD9-81ED-4DB2-BD59-A6C34878D82A}">
-                    <a16:rowId xmlns:a16="http://schemas.microsoft.com/office/drawing/2014/main" val="1609892787"/>
-                  </a:ext>
-                </a:extLst>
-              </a:tr>
-              <a:tr h="370840">
-                <a:tc>
-                  <a:txBody>
-                    <a:bodyPr/>
-                    <a:lstStyle/>
-                    <a:p>
-                      <a:pPr algn="r" fontAlgn="b"/>
-                      <a:r>
-                        <a:rPr lang="ru-RU" sz="3600" b="0" i="0" u="none" strike="noStrike" dirty="0">
-                          <a:solidFill>
-                            <a:srgbClr val="000000"/>
-                          </a:solidFill>
-                          <a:effectLst/>
-                          <a:latin typeface="Calibri" panose="020F0502020204030204" pitchFamily="34" charset="0"/>
-                        </a:rPr>
-                        <a:t>1</a:t>
-                      </a:r>
-                    </a:p>
-                  </a:txBody>
-                  <a:tcPr marL="7620" marR="7620" marT="7620" marB="0" anchor="b"/>
-                </a:tc>
-                <a:tc>
-                  <a:txBody>
-                    <a:bodyPr/>
-                    <a:lstStyle/>
-                    <a:p>
-                      <a:pPr algn="r" fontAlgn="b"/>
-                      <a:r>
-                        <a:rPr lang="ru-RU" sz="3600" b="0" i="0" u="none" strike="noStrike" dirty="0">
-                          <a:solidFill>
-                            <a:srgbClr val="000000"/>
-                          </a:solidFill>
-                          <a:effectLst/>
-                          <a:latin typeface="Calibri" panose="020F0502020204030204" pitchFamily="34" charset="0"/>
-                        </a:rPr>
-                        <a:t>1</a:t>
-                      </a:r>
-                    </a:p>
-                  </a:txBody>
-                  <a:tcPr marL="7620" marR="7620" marT="7620" marB="0" anchor="b"/>
-                </a:tc>
-                <a:tc>
-                  <a:txBody>
-                    <a:bodyPr/>
-                    <a:lstStyle/>
-                    <a:p>
-                      <a:pPr algn="l" fontAlgn="b"/>
-                      <a:r>
-                        <a:rPr lang="ru-RU" sz="3600" b="0" i="0" u="none" strike="noStrike" dirty="0">
-                          <a:solidFill>
-                            <a:srgbClr val="000000"/>
-                          </a:solidFill>
-                          <a:effectLst/>
-                          <a:latin typeface="Calibri" panose="020F0502020204030204" pitchFamily="34" charset="0"/>
-                        </a:rPr>
-                        <a:t>Д/р</a:t>
-                      </a:r>
-                    </a:p>
-                  </a:txBody>
-                  <a:tcPr marL="7620" marR="7620" marT="7620" marB="0" anchor="b"/>
-                </a:tc>
-                <a:tc>
-                  <a:txBody>
-                    <a:bodyPr/>
-                    <a:lstStyle/>
-                    <a:p>
-                      <a:pPr algn="ctr" fontAlgn="b"/>
-                      <a:r>
-                        <a:rPr lang="ru-RU" sz="3600" b="0" i="0" u="none" strike="noStrike" dirty="0">
-                          <a:solidFill>
-                            <a:srgbClr val="000000"/>
-                          </a:solidFill>
-                          <a:effectLst/>
-                          <a:latin typeface="Calibri" panose="020F0502020204030204" pitchFamily="34" charset="0"/>
-                        </a:rPr>
-                        <a:t>23,81%</a:t>
-                      </a:r>
-                    </a:p>
-                  </a:txBody>
-                  <a:tcPr marL="7620" marR="7620" marT="7620" marB="0" anchor="b"/>
-                </a:tc>
-                <a:extLst>
-                  <a:ext uri="{0D108BD9-81ED-4DB2-BD59-A6C34878D82A}">
-                    <a16:rowId xmlns:a16="http://schemas.microsoft.com/office/drawing/2014/main" val="1214383061"/>
-                  </a:ext>
-                </a:extLst>
-              </a:tr>
-              <a:tr h="370840">
-                <a:tc>
-                  <a:txBody>
-                    <a:bodyPr/>
-                    <a:lstStyle/>
-                    <a:p>
-                      <a:pPr algn="r" fontAlgn="b"/>
-                      <a:r>
-                        <a:rPr lang="ru-RU" sz="3600" b="0" i="0" u="none" strike="noStrike">
-                          <a:solidFill>
-                            <a:srgbClr val="000000"/>
-                          </a:solidFill>
-                          <a:effectLst/>
-                          <a:latin typeface="Calibri" panose="020F0502020204030204" pitchFamily="34" charset="0"/>
-                        </a:rPr>
-                        <a:t>2</a:t>
-                      </a:r>
-                    </a:p>
-                  </a:txBody>
-                  <a:tcPr marL="7620" marR="7620" marT="7620" marB="0" anchor="b"/>
-                </a:tc>
-                <a:tc>
-                  <a:txBody>
-                    <a:bodyPr/>
-                    <a:lstStyle/>
-                    <a:p>
-                      <a:pPr algn="r" fontAlgn="b"/>
-                      <a:r>
-                        <a:rPr lang="ru-RU" sz="3600" b="0" i="0" u="none" strike="noStrike">
-                          <a:solidFill>
-                            <a:srgbClr val="000000"/>
-                          </a:solidFill>
-                          <a:effectLst/>
-                          <a:latin typeface="Calibri" panose="020F0502020204030204" pitchFamily="34" charset="0"/>
-                        </a:rPr>
-                        <a:t>4</a:t>
-                      </a:r>
-                    </a:p>
-                  </a:txBody>
-                  <a:tcPr marL="7620" marR="7620" marT="7620" marB="0" anchor="b"/>
-                </a:tc>
-                <a:tc>
-                  <a:txBody>
-                    <a:bodyPr/>
-                    <a:lstStyle/>
-                    <a:p>
-                      <a:pPr algn="l" fontAlgn="b"/>
-                      <a:r>
-                        <a:rPr lang="ru-RU" sz="3600" b="0" i="0" u="none" strike="noStrike" dirty="0">
-                          <a:solidFill>
-                            <a:srgbClr val="000000"/>
-                          </a:solidFill>
-                          <a:effectLst/>
-                          <a:latin typeface="Calibri" panose="020F0502020204030204" pitchFamily="34" charset="0"/>
-                        </a:rPr>
-                        <a:t>Д/з</a:t>
-                      </a:r>
-                    </a:p>
-                  </a:txBody>
-                  <a:tcPr marL="7620" marR="7620" marT="7620" marB="0" anchor="b"/>
-                </a:tc>
-                <a:tc>
-                  <a:txBody>
-                    <a:bodyPr/>
-                    <a:lstStyle/>
-                    <a:p>
-                      <a:pPr algn="ctr" fontAlgn="b"/>
-                      <a:r>
-                        <a:rPr lang="ru-RU" sz="3600" b="0" i="0" u="none" strike="noStrike" dirty="0">
-                          <a:solidFill>
-                            <a:srgbClr val="000000"/>
-                          </a:solidFill>
-                          <a:effectLst/>
-                          <a:latin typeface="Calibri" panose="020F0502020204030204" pitchFamily="34" charset="0"/>
-                        </a:rPr>
-                        <a:t>20,99%</a:t>
-                      </a:r>
-                    </a:p>
-                  </a:txBody>
-                  <a:tcPr marL="7620" marR="7620" marT="7620" marB="0" anchor="b"/>
-                </a:tc>
-                <a:extLst>
-                  <a:ext uri="{0D108BD9-81ED-4DB2-BD59-A6C34878D82A}">
-                    <a16:rowId xmlns:a16="http://schemas.microsoft.com/office/drawing/2014/main" val="2946780878"/>
-                  </a:ext>
-                </a:extLst>
-              </a:tr>
-              <a:tr h="370840">
-                <a:tc>
-                  <a:txBody>
-                    <a:bodyPr/>
-                    <a:lstStyle/>
-                    <a:p>
-                      <a:pPr algn="r" fontAlgn="b"/>
-                      <a:r>
-                        <a:rPr lang="ru-RU" sz="3600" b="0" i="0" u="none" strike="noStrike">
-                          <a:solidFill>
-                            <a:srgbClr val="000000"/>
-                          </a:solidFill>
-                          <a:effectLst/>
-                          <a:latin typeface="Calibri" panose="020F0502020204030204" pitchFamily="34" charset="0"/>
-                        </a:rPr>
-                        <a:t>3</a:t>
-                      </a:r>
-                    </a:p>
-                  </a:txBody>
-                  <a:tcPr marL="7620" marR="7620" marT="7620" marB="0" anchor="b"/>
-                </a:tc>
-                <a:tc>
-                  <a:txBody>
-                    <a:bodyPr/>
-                    <a:lstStyle/>
-                    <a:p>
-                      <a:pPr algn="r" fontAlgn="b"/>
-                      <a:r>
-                        <a:rPr lang="ru-RU" sz="3600" b="0" i="0" u="none" strike="noStrike">
-                          <a:solidFill>
-                            <a:srgbClr val="000000"/>
-                          </a:solidFill>
-                          <a:effectLst/>
-                          <a:latin typeface="Calibri" panose="020F0502020204030204" pitchFamily="34" charset="0"/>
-                        </a:rPr>
-                        <a:t>6</a:t>
-                      </a:r>
-                    </a:p>
-                  </a:txBody>
-                  <a:tcPr marL="7620" marR="7620" marT="7620" marB="0" anchor="b"/>
-                </a:tc>
-                <a:tc>
-                  <a:txBody>
-                    <a:bodyPr/>
-                    <a:lstStyle/>
-                    <a:p>
-                      <a:pPr algn="l" fontAlgn="b"/>
-                      <a:r>
-                        <a:rPr lang="en-US" sz="3600" b="0" i="0" u="none" strike="noStrike" dirty="0">
-                          <a:solidFill>
-                            <a:srgbClr val="000000"/>
-                          </a:solidFill>
-                          <a:effectLst/>
-                          <a:latin typeface="Calibri" panose="020F0502020204030204" pitchFamily="34" charset="0"/>
-                        </a:rPr>
-                        <a:t>IT</a:t>
-                      </a:r>
-                    </a:p>
-                  </a:txBody>
-                  <a:tcPr marL="7620" marR="7620" marT="7620" marB="0" anchor="b"/>
-                </a:tc>
-                <a:tc>
-                  <a:txBody>
-                    <a:bodyPr/>
-                    <a:lstStyle/>
-                    <a:p>
-                      <a:pPr algn="ctr" fontAlgn="b"/>
-                      <a:r>
-                        <a:rPr lang="ru-RU" sz="3600" b="0" i="0" u="none" strike="noStrike" dirty="0">
-                          <a:solidFill>
-                            <a:srgbClr val="000000"/>
-                          </a:solidFill>
-                          <a:effectLst/>
-                          <a:latin typeface="Calibri" panose="020F0502020204030204" pitchFamily="34" charset="0"/>
-                        </a:rPr>
-                        <a:t>18,07%</a:t>
-                      </a:r>
-                    </a:p>
-                  </a:txBody>
-                  <a:tcPr marL="7620" marR="7620" marT="7620" marB="0" anchor="b"/>
-                </a:tc>
-                <a:extLst>
-                  <a:ext uri="{0D108BD9-81ED-4DB2-BD59-A6C34878D82A}">
-                    <a16:rowId xmlns:a16="http://schemas.microsoft.com/office/drawing/2014/main" val="3849427093"/>
-                  </a:ext>
-                </a:extLst>
-              </a:tr>
-              <a:tr h="370840">
-                <a:tc>
-                  <a:txBody>
-                    <a:bodyPr/>
-                    <a:lstStyle/>
-                    <a:p>
-                      <a:pPr algn="r" fontAlgn="b"/>
-                      <a:r>
-                        <a:rPr lang="ru-RU" sz="3600" b="0" i="0" u="none" strike="noStrike">
-                          <a:solidFill>
-                            <a:srgbClr val="000000"/>
-                          </a:solidFill>
-                          <a:effectLst/>
-                          <a:latin typeface="Calibri" panose="020F0502020204030204" pitchFamily="34" charset="0"/>
-                        </a:rPr>
-                        <a:t>4</a:t>
-                      </a:r>
-                    </a:p>
-                  </a:txBody>
-                  <a:tcPr marL="7620" marR="7620" marT="7620" marB="0" anchor="b"/>
-                </a:tc>
-                <a:tc>
-                  <a:txBody>
-                    <a:bodyPr/>
-                    <a:lstStyle/>
-                    <a:p>
-                      <a:pPr algn="r" fontAlgn="b"/>
-                      <a:r>
-                        <a:rPr lang="ru-RU" sz="3600" b="0" i="0" u="none" strike="noStrike">
-                          <a:solidFill>
-                            <a:srgbClr val="000000"/>
-                          </a:solidFill>
-                          <a:effectLst/>
-                          <a:latin typeface="Calibri" panose="020F0502020204030204" pitchFamily="34" charset="0"/>
-                        </a:rPr>
-                        <a:t>3</a:t>
-                      </a:r>
-                    </a:p>
-                  </a:txBody>
-                  <a:tcPr marL="7620" marR="7620" marT="7620" marB="0" anchor="b"/>
-                </a:tc>
-                <a:tc>
-                  <a:txBody>
-                    <a:bodyPr/>
-                    <a:lstStyle/>
-                    <a:p>
-                      <a:pPr algn="l" fontAlgn="b"/>
-                      <a:r>
-                        <a:rPr lang="ru-RU" sz="3600" b="0" i="0" u="none" strike="noStrike" dirty="0">
-                          <a:solidFill>
-                            <a:srgbClr val="000000"/>
-                          </a:solidFill>
-                          <a:effectLst/>
-                          <a:latin typeface="Calibri" panose="020F0502020204030204" pitchFamily="34" charset="0"/>
-                        </a:rPr>
-                        <a:t>Командировка</a:t>
-                      </a:r>
-                    </a:p>
-                  </a:txBody>
-                  <a:tcPr marL="7620" marR="7620" marT="7620" marB="0" anchor="b"/>
-                </a:tc>
-                <a:tc>
-                  <a:txBody>
-                    <a:bodyPr/>
-                    <a:lstStyle/>
-                    <a:p>
-                      <a:pPr algn="ctr" fontAlgn="b"/>
-                      <a:r>
-                        <a:rPr lang="ru-RU" sz="3600" b="0" i="0" u="none" strike="noStrike" dirty="0">
-                          <a:solidFill>
-                            <a:srgbClr val="000000"/>
-                          </a:solidFill>
-                          <a:effectLst/>
-                          <a:latin typeface="Calibri" panose="020F0502020204030204" pitchFamily="34" charset="0"/>
-                        </a:rPr>
-                        <a:t>17,50%</a:t>
-                      </a:r>
-                    </a:p>
-                  </a:txBody>
-                  <a:tcPr marL="7620" marR="7620" marT="7620" marB="0" anchor="b"/>
-                </a:tc>
-                <a:extLst>
-                  <a:ext uri="{0D108BD9-81ED-4DB2-BD59-A6C34878D82A}">
-                    <a16:rowId xmlns:a16="http://schemas.microsoft.com/office/drawing/2014/main" val="2215237350"/>
-                  </a:ext>
-                </a:extLst>
-              </a:tr>
-              <a:tr h="370840">
-                <a:tc>
-                  <a:txBody>
-                    <a:bodyPr/>
-                    <a:lstStyle/>
-                    <a:p>
-                      <a:pPr algn="r" fontAlgn="b"/>
-                      <a:r>
-                        <a:rPr lang="ru-RU" sz="3600" b="0" i="0" u="none" strike="noStrike">
-                          <a:solidFill>
-                            <a:srgbClr val="000000"/>
-                          </a:solidFill>
-                          <a:effectLst/>
-                          <a:latin typeface="Calibri" panose="020F0502020204030204" pitchFamily="34" charset="0"/>
-                        </a:rPr>
-                        <a:t>5</a:t>
-                      </a:r>
-                    </a:p>
-                  </a:txBody>
-                  <a:tcPr marL="7620" marR="7620" marT="7620" marB="0" anchor="b"/>
-                </a:tc>
-                <a:tc>
-                  <a:txBody>
-                    <a:bodyPr/>
-                    <a:lstStyle/>
-                    <a:p>
-                      <a:pPr algn="r" fontAlgn="b"/>
-                      <a:r>
-                        <a:rPr lang="ru-RU" sz="3600" b="0" i="0" u="none" strike="noStrike">
-                          <a:solidFill>
-                            <a:srgbClr val="000000"/>
-                          </a:solidFill>
-                          <a:effectLst/>
-                          <a:latin typeface="Calibri" panose="020F0502020204030204" pitchFamily="34" charset="0"/>
-                        </a:rPr>
-                        <a:t>2</a:t>
-                      </a:r>
-                    </a:p>
-                  </a:txBody>
-                  <a:tcPr marL="7620" marR="7620" marT="7620" marB="0" anchor="b"/>
-                </a:tc>
-                <a:tc>
-                  <a:txBody>
-                    <a:bodyPr/>
-                    <a:lstStyle/>
-                    <a:p>
-                      <a:pPr algn="l" fontAlgn="b"/>
-                      <a:r>
-                        <a:rPr lang="ru-RU" sz="3600" b="0" i="0" u="none" strike="noStrike">
-                          <a:solidFill>
-                            <a:srgbClr val="000000"/>
-                          </a:solidFill>
-                          <a:effectLst/>
-                          <a:latin typeface="Calibri" panose="020F0502020204030204" pitchFamily="34" charset="0"/>
-                        </a:rPr>
-                        <a:t>Совет</a:t>
-                      </a:r>
-                    </a:p>
-                  </a:txBody>
-                  <a:tcPr marL="7620" marR="7620" marT="7620" marB="0" anchor="b"/>
-                </a:tc>
-                <a:tc>
-                  <a:txBody>
-                    <a:bodyPr/>
-                    <a:lstStyle/>
-                    <a:p>
-                      <a:pPr algn="ctr" fontAlgn="b"/>
-                      <a:r>
-                        <a:rPr lang="ru-RU" sz="3600" b="0" i="0" u="none" strike="noStrike" dirty="0">
-                          <a:solidFill>
-                            <a:srgbClr val="000000"/>
-                          </a:solidFill>
-                          <a:effectLst/>
-                          <a:latin typeface="Calibri" panose="020F0502020204030204" pitchFamily="34" charset="0"/>
-                        </a:rPr>
-                        <a:t>13,92%</a:t>
-                      </a:r>
-                    </a:p>
-                  </a:txBody>
-                  <a:tcPr marL="7620" marR="7620" marT="7620" marB="0" anchor="b"/>
-                </a:tc>
-                <a:extLst>
-                  <a:ext uri="{0D108BD9-81ED-4DB2-BD59-A6C34878D82A}">
-                    <a16:rowId xmlns:a16="http://schemas.microsoft.com/office/drawing/2014/main" val="4071527824"/>
-                  </a:ext>
-                </a:extLst>
-              </a:tr>
-              <a:tr h="370840">
-                <a:tc>
-                  <a:txBody>
-                    <a:bodyPr/>
-                    <a:lstStyle/>
-                    <a:p>
-                      <a:pPr algn="r" fontAlgn="b"/>
-                      <a:r>
-                        <a:rPr lang="ru-RU" sz="3600" b="0" i="0" u="none" strike="noStrike">
-                          <a:solidFill>
-                            <a:srgbClr val="000000"/>
-                          </a:solidFill>
-                          <a:effectLst/>
-                          <a:latin typeface="Calibri" panose="020F0502020204030204" pitchFamily="34" charset="0"/>
-                        </a:rPr>
-                        <a:t>6</a:t>
-                      </a:r>
-                    </a:p>
-                  </a:txBody>
-                  <a:tcPr marL="7620" marR="7620" marT="7620" marB="0" anchor="b"/>
-                </a:tc>
-                <a:tc>
-                  <a:txBody>
-                    <a:bodyPr/>
-                    <a:lstStyle/>
-                    <a:p>
-                      <a:pPr algn="r" fontAlgn="b"/>
-                      <a:r>
-                        <a:rPr lang="ru-RU" sz="3600" b="0" i="0" u="none" strike="noStrike">
-                          <a:solidFill>
-                            <a:srgbClr val="000000"/>
-                          </a:solidFill>
-                          <a:effectLst/>
-                          <a:latin typeface="Calibri" panose="020F0502020204030204" pitchFamily="34" charset="0"/>
-                        </a:rPr>
-                        <a:t>5</a:t>
-                      </a:r>
-                    </a:p>
-                  </a:txBody>
-                  <a:tcPr marL="7620" marR="7620" marT="7620" marB="0" anchor="b"/>
-                </a:tc>
-                <a:tc>
-                  <a:txBody>
-                    <a:bodyPr/>
-                    <a:lstStyle/>
-                    <a:p>
-                      <a:pPr algn="l" fontAlgn="b"/>
-                      <a:r>
-                        <a:rPr lang="ru-RU" sz="3600" b="0" i="0" u="none" strike="noStrike">
-                          <a:solidFill>
-                            <a:srgbClr val="000000"/>
-                          </a:solidFill>
-                          <a:effectLst/>
-                          <a:latin typeface="Calibri" panose="020F0502020204030204" pitchFamily="34" charset="0"/>
-                        </a:rPr>
-                        <a:t>Инженер</a:t>
-                      </a:r>
-                    </a:p>
-                  </a:txBody>
-                  <a:tcPr marL="7620" marR="7620" marT="7620" marB="0" anchor="b"/>
-                </a:tc>
-                <a:tc>
-                  <a:txBody>
-                    <a:bodyPr/>
-                    <a:lstStyle/>
-                    <a:p>
-                      <a:pPr algn="ctr" fontAlgn="b"/>
-                      <a:r>
-                        <a:rPr lang="ru-RU" sz="3600" b="0" i="0" u="none" strike="noStrike" dirty="0">
-                          <a:solidFill>
-                            <a:srgbClr val="000000"/>
-                          </a:solidFill>
-                          <a:effectLst/>
-                          <a:latin typeface="Calibri" panose="020F0502020204030204" pitchFamily="34" charset="0"/>
-                        </a:rPr>
-                        <a:t>11,36%</a:t>
-                      </a:r>
-                    </a:p>
-                  </a:txBody>
-                  <a:tcPr marL="7620" marR="7620" marT="7620" marB="0" anchor="b"/>
-                </a:tc>
-                <a:extLst>
-                  <a:ext uri="{0D108BD9-81ED-4DB2-BD59-A6C34878D82A}">
-                    <a16:rowId xmlns:a16="http://schemas.microsoft.com/office/drawing/2014/main" val="3795348817"/>
-                  </a:ext>
-                </a:extLst>
-              </a:tr>
-            </a:tbl>
-          </a:graphicData>
-        </a:graphic>
-      </p:graphicFrame>
     </p:spTree>
     <p:extLst>
       <p:ext uri="{BB962C8B-B14F-4D97-AF65-F5344CB8AC3E}">
@@ -13877,2962 +12968,6 @@
           <a:chExt cx="0" cy="0"/>
         </a:xfrm>
       </p:grpSpPr>
-      <p:sp>
-        <p:nvSpPr>
-          <p:cNvPr id="4" name="Номер слайда 3"/>
-          <p:cNvSpPr>
-            <a:spLocks noGrp="1"/>
-          </p:cNvSpPr>
-          <p:nvPr>
-            <p:ph type="sldNum" sz="quarter" idx="12"/>
-          </p:nvPr>
-        </p:nvSpPr>
-        <p:spPr/>
-        <p:txBody>
-          <a:bodyPr/>
-          <a:lstStyle/>
-          <a:p>
-            <a:fld id="{4FAB73BC-B049-4115-A692-8D63A059BFB8}" type="slidenum">
-              <a:rPr lang="en-US" smtClean="0"/>
-              <a:t>56</a:t>
-            </a:fld>
-            <a:endParaRPr lang="en-US" dirty="0"/>
-          </a:p>
-        </p:txBody>
-      </p:sp>
-      <p:graphicFrame>
-        <p:nvGraphicFramePr>
-          <p:cNvPr id="10" name="Таблица 9"/>
-          <p:cNvGraphicFramePr>
-            <a:graphicFrameLocks noGrp="1"/>
-          </p:cNvGraphicFramePr>
-          <p:nvPr>
-            <p:extLst>
-              <p:ext uri="{D42A27DB-BD31-4B8C-83A1-F6EECF244321}">
-                <p14:modId xmlns:p14="http://schemas.microsoft.com/office/powerpoint/2010/main" val="164868623"/>
-              </p:ext>
-            </p:extLst>
-          </p:nvPr>
-        </p:nvGraphicFramePr>
-        <p:xfrm>
-          <a:off x="6064091" y="1429512"/>
-          <a:ext cx="5029200" cy="2514600"/>
-        </p:xfrm>
-        <a:graphic>
-          <a:graphicData uri="http://schemas.openxmlformats.org/drawingml/2006/table">
-            <a:tbl>
-              <a:tblPr firstRow="1" bandRow="1">
-                <a:tableStyleId>{5C22544A-7EE6-4342-B048-85BDC9FD1C3A}</a:tableStyleId>
-              </a:tblPr>
-              <a:tblGrid>
-                <a:gridCol w="1255715">
-                  <a:extLst>
-                    <a:ext uri="{9D8B030D-6E8A-4147-A177-3AD203B41FA5}">
-                      <a16:colId xmlns:a16="http://schemas.microsoft.com/office/drawing/2014/main" val="20000"/>
-                    </a:ext>
-                  </a:extLst>
-                </a:gridCol>
-                <a:gridCol w="1588669">
-                  <a:extLst>
-                    <a:ext uri="{9D8B030D-6E8A-4147-A177-3AD203B41FA5}">
-                      <a16:colId xmlns:a16="http://schemas.microsoft.com/office/drawing/2014/main" val="20001"/>
-                    </a:ext>
-                  </a:extLst>
-                </a:gridCol>
-                <a:gridCol w="1281082">
-                  <a:extLst>
-                    <a:ext uri="{9D8B030D-6E8A-4147-A177-3AD203B41FA5}">
-                      <a16:colId xmlns:a16="http://schemas.microsoft.com/office/drawing/2014/main" val="20002"/>
-                    </a:ext>
-                  </a:extLst>
-                </a:gridCol>
-                <a:gridCol w="903734">
-                  <a:extLst>
-                    <a:ext uri="{9D8B030D-6E8A-4147-A177-3AD203B41FA5}">
-                      <a16:colId xmlns:a16="http://schemas.microsoft.com/office/drawing/2014/main" val="20003"/>
-                    </a:ext>
-                  </a:extLst>
-                </a:gridCol>
-              </a:tblGrid>
-              <a:tr h="228600">
-                <a:tc gridSpan="3">
-                  <a:txBody>
-                    <a:bodyPr/>
-                    <a:lstStyle/>
-                    <a:p>
-                      <a:pPr algn="l" rtl="0" fontAlgn="ctr"/>
-                      <a:r>
-                        <a:rPr lang="ru-RU" sz="1400" u="none" strike="noStrike" dirty="0">
-                          <a:effectLst>
-                            <a:outerShdw blurRad="50800" dist="38100" algn="tr" rotWithShape="0">
-                              <a:prstClr val="black">
-                                <a:alpha val="40000"/>
-                              </a:prstClr>
-                            </a:outerShdw>
-                          </a:effectLst>
-                        </a:rPr>
-                        <a:t>Коэффициент эмоциональной экспансивности</a:t>
-                      </a:r>
-                      <a:endParaRPr lang="ru-RU" sz="1400" b="0" i="1" u="none" strike="noStrike" dirty="0">
-                        <a:solidFill>
-                          <a:srgbClr val="000000"/>
-                        </a:solidFill>
-                        <a:effectLst>
-                          <a:outerShdw blurRad="50800" dist="38100" algn="tr" rotWithShape="0">
-                            <a:prstClr val="black">
-                              <a:alpha val="40000"/>
-                            </a:prstClr>
-                          </a:outerShdw>
-                        </a:effectLst>
-                        <a:latin typeface="Tahoma"/>
-                      </a:endParaRPr>
-                    </a:p>
-                  </a:txBody>
-                  <a:tcPr marL="9525" marR="9525" marT="9525" marB="0" anchor="ctr"/>
-                </a:tc>
-                <a:tc hMerge="1">
-                  <a:txBody>
-                    <a:bodyPr/>
-                    <a:lstStyle/>
-                    <a:p>
-                      <a:endParaRPr lang="ru-RU"/>
-                    </a:p>
-                  </a:txBody>
-                  <a:tcPr/>
-                </a:tc>
-                <a:tc hMerge="1">
-                  <a:txBody>
-                    <a:bodyPr/>
-                    <a:lstStyle/>
-                    <a:p>
-                      <a:endParaRPr lang="ru-RU"/>
-                    </a:p>
-                  </a:txBody>
-                  <a:tcPr/>
-                </a:tc>
-                <a:tc>
-                  <a:txBody>
-                    <a:bodyPr/>
-                    <a:lstStyle/>
-                    <a:p>
-                      <a:pPr algn="l" fontAlgn="b"/>
-                      <a:endParaRPr lang="ru-RU" sz="1100" b="0" i="0" u="none" strike="noStrike">
-                        <a:solidFill>
-                          <a:srgbClr val="000000"/>
-                        </a:solidFill>
-                        <a:effectLst/>
-                        <a:latin typeface="Calibri"/>
-                      </a:endParaRPr>
-                    </a:p>
-                  </a:txBody>
-                  <a:tcPr marL="9525" marR="9525" marT="9525" marB="0" anchor="b"/>
-                </a:tc>
-                <a:extLst>
-                  <a:ext uri="{0D108BD9-81ED-4DB2-BD59-A6C34878D82A}">
-                    <a16:rowId xmlns:a16="http://schemas.microsoft.com/office/drawing/2014/main" val="10000"/>
-                  </a:ext>
-                </a:extLst>
-              </a:tr>
-              <a:tr h="457200">
-                <a:tc>
-                  <a:txBody>
-                    <a:bodyPr/>
-                    <a:lstStyle/>
-                    <a:p>
-                      <a:pPr algn="l" rtl="0" fontAlgn="ctr"/>
-                      <a:r>
-                        <a:rPr lang="ru-RU" sz="1400" u="none" strike="noStrike" dirty="0">
-                          <a:effectLst>
-                            <a:outerShdw blurRad="50800" dist="38100" algn="tr" rotWithShape="0">
-                              <a:prstClr val="black">
-                                <a:alpha val="40000"/>
-                              </a:prstClr>
-                            </a:outerShdw>
-                          </a:effectLst>
-                        </a:rPr>
-                        <a:t>Вид общения</a:t>
-                      </a:r>
-                      <a:endParaRPr lang="ru-RU" sz="1400" b="0" i="0" u="none" strike="noStrike" dirty="0">
-                        <a:solidFill>
-                          <a:srgbClr val="000000"/>
-                        </a:solidFill>
-                        <a:effectLst>
-                          <a:outerShdw blurRad="50800" dist="38100" algn="tr" rotWithShape="0">
-                            <a:prstClr val="black">
-                              <a:alpha val="40000"/>
-                            </a:prstClr>
-                          </a:outerShdw>
-                        </a:effectLst>
-                        <a:latin typeface="Tahoma"/>
-                      </a:endParaRPr>
-                    </a:p>
-                  </a:txBody>
-                  <a:tcPr marL="9525" marR="9525" marT="9525" marB="0" anchor="ctr"/>
-                </a:tc>
-                <a:tc>
-                  <a:txBody>
-                    <a:bodyPr/>
-                    <a:lstStyle/>
-                    <a:p>
-                      <a:pPr algn="l" rtl="0" fontAlgn="ctr"/>
-                      <a:r>
-                        <a:rPr lang="ru-RU" sz="1400" u="none" strike="noStrike" dirty="0">
-                          <a:effectLst>
-                            <a:outerShdw blurRad="50800" dist="38100" algn="tr" rotWithShape="0">
-                              <a:prstClr val="black">
-                                <a:alpha val="40000"/>
-                              </a:prstClr>
-                            </a:outerShdw>
-                          </a:effectLst>
-                        </a:rPr>
-                        <a:t>Неавторитетное</a:t>
-                      </a:r>
-                      <a:endParaRPr lang="ru-RU" sz="1400" b="0" i="0" u="none" strike="noStrike" dirty="0">
-                        <a:solidFill>
-                          <a:srgbClr val="000000"/>
-                        </a:solidFill>
-                        <a:effectLst>
-                          <a:outerShdw blurRad="50800" dist="38100" algn="tr" rotWithShape="0">
-                            <a:prstClr val="black">
-                              <a:alpha val="40000"/>
-                            </a:prstClr>
-                          </a:outerShdw>
-                        </a:effectLst>
-                        <a:latin typeface="Tahoma"/>
-                      </a:endParaRPr>
-                    </a:p>
-                  </a:txBody>
-                  <a:tcPr marL="9525" marR="9525" marT="9525" marB="0" anchor="ctr"/>
-                </a:tc>
-                <a:tc>
-                  <a:txBody>
-                    <a:bodyPr/>
-                    <a:lstStyle/>
-                    <a:p>
-                      <a:pPr algn="l" rtl="0" fontAlgn="ctr"/>
-                      <a:r>
-                        <a:rPr lang="ru-RU" sz="1400" u="none" strike="noStrike">
-                          <a:effectLst>
-                            <a:outerShdw blurRad="50800" dist="38100" algn="tr" rotWithShape="0">
-                              <a:prstClr val="black">
-                                <a:alpha val="40000"/>
-                              </a:prstClr>
-                            </a:outerShdw>
-                          </a:effectLst>
-                        </a:rPr>
-                        <a:t>Авторитетное </a:t>
-                      </a:r>
-                      <a:endParaRPr lang="ru-RU" sz="1400" b="0" i="0" u="none" strike="noStrike">
-                        <a:solidFill>
-                          <a:srgbClr val="000000"/>
-                        </a:solidFill>
-                        <a:effectLst>
-                          <a:outerShdw blurRad="50800" dist="38100" algn="tr" rotWithShape="0">
-                            <a:prstClr val="black">
-                              <a:alpha val="40000"/>
-                            </a:prstClr>
-                          </a:outerShdw>
-                        </a:effectLst>
-                        <a:latin typeface="Tahoma"/>
-                      </a:endParaRPr>
-                    </a:p>
-                  </a:txBody>
-                  <a:tcPr marL="9525" marR="9525" marT="9525" marB="0" anchor="ctr"/>
-                </a:tc>
-                <a:tc>
-                  <a:txBody>
-                    <a:bodyPr/>
-                    <a:lstStyle/>
-                    <a:p>
-                      <a:pPr algn="l" rtl="0" fontAlgn="ctr"/>
-                      <a:r>
-                        <a:rPr lang="ru-RU" sz="1400" u="none" strike="noStrike">
-                          <a:effectLst>
-                            <a:outerShdw blurRad="50800" dist="38100" algn="tr" rotWithShape="0">
-                              <a:prstClr val="black">
-                                <a:alpha val="40000"/>
-                              </a:prstClr>
-                            </a:outerShdw>
-                          </a:effectLst>
-                        </a:rPr>
-                        <a:t>Средние пок-ли</a:t>
-                      </a:r>
-                      <a:endParaRPr lang="ru-RU" sz="1400" b="0" i="0" u="none" strike="noStrike">
-                        <a:solidFill>
-                          <a:srgbClr val="000000"/>
-                        </a:solidFill>
-                        <a:effectLst>
-                          <a:outerShdw blurRad="50800" dist="38100" algn="tr" rotWithShape="0">
-                            <a:prstClr val="black">
-                              <a:alpha val="40000"/>
-                            </a:prstClr>
-                          </a:outerShdw>
-                        </a:effectLst>
-                        <a:latin typeface="Tahoma"/>
-                      </a:endParaRPr>
-                    </a:p>
-                  </a:txBody>
-                  <a:tcPr marL="9525" marR="9525" marT="9525" marB="0" anchor="ctr"/>
-                </a:tc>
-                <a:extLst>
-                  <a:ext uri="{0D108BD9-81ED-4DB2-BD59-A6C34878D82A}">
-                    <a16:rowId xmlns:a16="http://schemas.microsoft.com/office/drawing/2014/main" val="10001"/>
-                  </a:ext>
-                </a:extLst>
-              </a:tr>
-              <a:tr h="228600">
-                <a:tc>
-                  <a:txBody>
-                    <a:bodyPr/>
-                    <a:lstStyle/>
-                    <a:p>
-                      <a:pPr algn="l" rtl="0" fontAlgn="ctr"/>
-                      <a:r>
-                        <a:rPr lang="ru-RU" sz="1400" u="none" strike="noStrike">
-                          <a:effectLst>
-                            <a:outerShdw blurRad="50800" dist="38100" algn="tr" rotWithShape="0">
-                              <a:prstClr val="black">
-                                <a:alpha val="40000"/>
-                              </a:prstClr>
-                            </a:outerShdw>
-                          </a:effectLst>
-                        </a:rPr>
-                        <a:t>Не формальн</a:t>
-                      </a:r>
-                      <a:endParaRPr lang="ru-RU" sz="1400" b="0" i="0" u="none" strike="noStrike">
-                        <a:solidFill>
-                          <a:srgbClr val="000000"/>
-                        </a:solidFill>
-                        <a:effectLst>
-                          <a:outerShdw blurRad="50800" dist="38100" algn="tr" rotWithShape="0">
-                            <a:prstClr val="black">
-                              <a:alpha val="40000"/>
-                            </a:prstClr>
-                          </a:outerShdw>
-                        </a:effectLst>
-                        <a:latin typeface="Tahoma"/>
-                      </a:endParaRPr>
-                    </a:p>
-                  </a:txBody>
-                  <a:tcPr marL="9525" marR="9525" marT="9525" marB="0" anchor="ctr"/>
-                </a:tc>
-                <a:tc>
-                  <a:txBody>
-                    <a:bodyPr/>
-                    <a:lstStyle/>
-                    <a:p>
-                      <a:pPr algn="l" rtl="0" fontAlgn="ctr"/>
-                      <a:r>
-                        <a:rPr lang="ru-RU" sz="1400" u="none" strike="noStrike">
-                          <a:effectLst>
-                            <a:outerShdw blurRad="50800" dist="38100" algn="tr" rotWithShape="0">
-                              <a:prstClr val="black">
-                                <a:alpha val="40000"/>
-                              </a:prstClr>
-                            </a:outerShdw>
-                          </a:effectLst>
-                        </a:rPr>
-                        <a:t>(1А) 4,2</a:t>
-                      </a:r>
-                      <a:endParaRPr lang="ru-RU" sz="1400" b="0" i="0" u="none" strike="noStrike">
-                        <a:solidFill>
-                          <a:srgbClr val="000000"/>
-                        </a:solidFill>
-                        <a:effectLst>
-                          <a:outerShdw blurRad="50800" dist="38100" algn="tr" rotWithShape="0">
-                            <a:prstClr val="black">
-                              <a:alpha val="40000"/>
-                            </a:prstClr>
-                          </a:outerShdw>
-                        </a:effectLst>
-                        <a:latin typeface="Tahoma"/>
-                      </a:endParaRPr>
-                    </a:p>
-                  </a:txBody>
-                  <a:tcPr marL="9525" marR="9525" marT="9525" marB="0" anchor="ctr"/>
-                </a:tc>
-                <a:tc>
-                  <a:txBody>
-                    <a:bodyPr/>
-                    <a:lstStyle/>
-                    <a:p>
-                      <a:pPr algn="l" rtl="0" fontAlgn="ctr"/>
-                      <a:r>
-                        <a:rPr lang="ru-RU" sz="1400" u="none" strike="noStrike">
-                          <a:effectLst>
-                            <a:outerShdw blurRad="50800" dist="38100" algn="tr" rotWithShape="0">
-                              <a:prstClr val="black">
-                                <a:alpha val="40000"/>
-                              </a:prstClr>
-                            </a:outerShdw>
-                          </a:effectLst>
-                        </a:rPr>
-                        <a:t>(2Б) 3,16</a:t>
-                      </a:r>
-                      <a:endParaRPr lang="ru-RU" sz="1400" b="0" i="0" u="none" strike="noStrike">
-                        <a:solidFill>
-                          <a:srgbClr val="000000"/>
-                        </a:solidFill>
-                        <a:effectLst>
-                          <a:outerShdw blurRad="50800" dist="38100" algn="tr" rotWithShape="0">
-                            <a:prstClr val="black">
-                              <a:alpha val="40000"/>
-                            </a:prstClr>
-                          </a:outerShdw>
-                        </a:effectLst>
-                        <a:latin typeface="Tahoma"/>
-                      </a:endParaRPr>
-                    </a:p>
-                  </a:txBody>
-                  <a:tcPr marL="9525" marR="9525" marT="9525" marB="0" anchor="ctr"/>
-                </a:tc>
-                <a:tc>
-                  <a:txBody>
-                    <a:bodyPr/>
-                    <a:lstStyle/>
-                    <a:p>
-                      <a:pPr algn="l" rtl="0" fontAlgn="ctr"/>
-                      <a:r>
-                        <a:rPr lang="ru-RU" sz="1400" u="none" strike="noStrike">
-                          <a:effectLst>
-                            <a:outerShdw blurRad="50800" dist="38100" algn="tr" rotWithShape="0">
-                              <a:prstClr val="black">
-                                <a:alpha val="40000"/>
-                              </a:prstClr>
-                            </a:outerShdw>
-                          </a:effectLst>
-                        </a:rPr>
-                        <a:t>3,68</a:t>
-                      </a:r>
-                      <a:endParaRPr lang="ru-RU" sz="1400" b="0" i="0" u="none" strike="noStrike">
-                        <a:solidFill>
-                          <a:srgbClr val="000000"/>
-                        </a:solidFill>
-                        <a:effectLst>
-                          <a:outerShdw blurRad="50800" dist="38100" algn="tr" rotWithShape="0">
-                            <a:prstClr val="black">
-                              <a:alpha val="40000"/>
-                            </a:prstClr>
-                          </a:outerShdw>
-                        </a:effectLst>
-                        <a:latin typeface="Tahoma"/>
-                      </a:endParaRPr>
-                    </a:p>
-                  </a:txBody>
-                  <a:tcPr marL="9525" marR="9525" marT="9525" marB="0" anchor="ctr"/>
-                </a:tc>
-                <a:extLst>
-                  <a:ext uri="{0D108BD9-81ED-4DB2-BD59-A6C34878D82A}">
-                    <a16:rowId xmlns:a16="http://schemas.microsoft.com/office/drawing/2014/main" val="10002"/>
-                  </a:ext>
-                </a:extLst>
-              </a:tr>
-              <a:tr h="685800">
-                <a:tc>
-                  <a:txBody>
-                    <a:bodyPr/>
-                    <a:lstStyle/>
-                    <a:p>
-                      <a:pPr algn="l" fontAlgn="t"/>
-                      <a:r>
-                        <a:rPr lang="ru-RU" sz="1800" u="none" strike="noStrike">
-                          <a:effectLst/>
-                        </a:rPr>
-                        <a:t> </a:t>
-                      </a:r>
-                      <a:endParaRPr lang="ru-RU" sz="1800" b="0" i="0" u="none" strike="noStrike">
-                        <a:solidFill>
-                          <a:srgbClr val="000000"/>
-                        </a:solidFill>
-                        <a:effectLst/>
-                        <a:latin typeface="Arial"/>
-                      </a:endParaRPr>
-                    </a:p>
-                  </a:txBody>
-                  <a:tcPr marL="9525" marR="9525" marT="9525" marB="0"/>
-                </a:tc>
-                <a:tc>
-                  <a:txBody>
-                    <a:bodyPr/>
-                    <a:lstStyle/>
-                    <a:p>
-                      <a:pPr algn="l" rtl="0" fontAlgn="ctr"/>
-                      <a:r>
-                        <a:rPr lang="ru-RU" sz="1400" u="none" strike="noStrike" dirty="0">
-                          <a:effectLst>
-                            <a:outerShdw blurRad="50800" dist="38100" algn="tr" rotWithShape="0">
-                              <a:prstClr val="black">
-                                <a:alpha val="40000"/>
-                              </a:prstClr>
-                            </a:outerShdw>
-                          </a:effectLst>
-                        </a:rPr>
-                        <a:t>Менее значимое (</a:t>
-                      </a:r>
-                      <a:r>
-                        <a:rPr lang="ru-RU" sz="1400" u="none" strike="noStrike" dirty="0" err="1">
-                          <a:effectLst>
-                            <a:outerShdw blurRad="50800" dist="38100" algn="tr" rotWithShape="0">
-                              <a:prstClr val="black">
-                                <a:alpha val="40000"/>
-                              </a:prstClr>
-                            </a:outerShdw>
-                          </a:effectLst>
-                        </a:rPr>
-                        <a:t>актуал</a:t>
-                      </a:r>
-                      <a:r>
-                        <a:rPr lang="ru-RU" sz="1400" u="none" strike="noStrike" dirty="0">
-                          <a:effectLst>
-                            <a:outerShdw blurRad="50800" dist="38100" algn="tr" rotWithShape="0">
-                              <a:prstClr val="black">
-                                <a:alpha val="40000"/>
-                              </a:prstClr>
-                            </a:outerShdw>
-                          </a:effectLst>
-                        </a:rPr>
-                        <a:t>.)</a:t>
-                      </a:r>
-                      <a:endParaRPr lang="ru-RU" sz="1400" b="0" i="0" u="none" strike="noStrike" dirty="0">
-                        <a:solidFill>
-                          <a:srgbClr val="000000"/>
-                        </a:solidFill>
-                        <a:effectLst>
-                          <a:outerShdw blurRad="50800" dist="38100" algn="tr" rotWithShape="0">
-                            <a:prstClr val="black">
-                              <a:alpha val="40000"/>
-                            </a:prstClr>
-                          </a:outerShdw>
-                        </a:effectLst>
-                        <a:latin typeface="Tahoma"/>
-                      </a:endParaRPr>
-                    </a:p>
-                  </a:txBody>
-                  <a:tcPr marL="9525" marR="9525" marT="9525" marB="0" anchor="ctr"/>
-                </a:tc>
-                <a:tc>
-                  <a:txBody>
-                    <a:bodyPr/>
-                    <a:lstStyle/>
-                    <a:p>
-                      <a:pPr algn="l" rtl="0" fontAlgn="ctr"/>
-                      <a:r>
-                        <a:rPr lang="ru-RU" sz="1400" u="none" strike="noStrike">
-                          <a:effectLst>
-                            <a:outerShdw blurRad="50800" dist="38100" algn="tr" rotWithShape="0">
-                              <a:prstClr val="black">
-                                <a:alpha val="40000"/>
-                              </a:prstClr>
-                            </a:outerShdw>
-                          </a:effectLst>
-                        </a:rPr>
-                        <a:t>Более значимое (неакт.)</a:t>
-                      </a:r>
-                      <a:endParaRPr lang="ru-RU" sz="1400" b="0" i="0" u="none" strike="noStrike">
-                        <a:solidFill>
-                          <a:srgbClr val="000000"/>
-                        </a:solidFill>
-                        <a:effectLst>
-                          <a:outerShdw blurRad="50800" dist="38100" algn="tr" rotWithShape="0">
-                            <a:prstClr val="black">
-                              <a:alpha val="40000"/>
-                            </a:prstClr>
-                          </a:outerShdw>
-                        </a:effectLst>
-                        <a:latin typeface="Tahoma"/>
-                      </a:endParaRPr>
-                    </a:p>
-                  </a:txBody>
-                  <a:tcPr marL="9525" marR="9525" marT="9525" marB="0" anchor="ctr"/>
-                </a:tc>
-                <a:tc>
-                  <a:txBody>
-                    <a:bodyPr/>
-                    <a:lstStyle/>
-                    <a:p>
-                      <a:pPr algn="l" fontAlgn="t"/>
-                      <a:r>
-                        <a:rPr lang="ru-RU" sz="1800" u="none" strike="noStrike">
-                          <a:effectLst/>
-                        </a:rPr>
-                        <a:t> </a:t>
-                      </a:r>
-                      <a:endParaRPr lang="ru-RU" sz="1800" b="0" i="0" u="none" strike="noStrike">
-                        <a:solidFill>
-                          <a:srgbClr val="000000"/>
-                        </a:solidFill>
-                        <a:effectLst/>
-                        <a:latin typeface="Arial"/>
-                      </a:endParaRPr>
-                    </a:p>
-                  </a:txBody>
-                  <a:tcPr marL="9525" marR="9525" marT="9525" marB="0"/>
-                </a:tc>
-                <a:extLst>
-                  <a:ext uri="{0D108BD9-81ED-4DB2-BD59-A6C34878D82A}">
-                    <a16:rowId xmlns:a16="http://schemas.microsoft.com/office/drawing/2014/main" val="10003"/>
-                  </a:ext>
-                </a:extLst>
-              </a:tr>
-              <a:tr h="228600">
-                <a:tc>
-                  <a:txBody>
-                    <a:bodyPr/>
-                    <a:lstStyle/>
-                    <a:p>
-                      <a:pPr algn="l" rtl="0" fontAlgn="ctr"/>
-                      <a:r>
-                        <a:rPr lang="ru-RU" sz="1400" u="none" strike="noStrike">
-                          <a:effectLst>
-                            <a:outerShdw blurRad="50800" dist="38100" algn="tr" rotWithShape="0">
-                              <a:prstClr val="black">
-                                <a:alpha val="40000"/>
-                              </a:prstClr>
-                            </a:outerShdw>
-                          </a:effectLst>
-                        </a:rPr>
-                        <a:t>Формальн</a:t>
-                      </a:r>
-                      <a:endParaRPr lang="ru-RU" sz="1400" b="0" i="0" u="none" strike="noStrike">
-                        <a:solidFill>
-                          <a:srgbClr val="000000"/>
-                        </a:solidFill>
-                        <a:effectLst>
-                          <a:outerShdw blurRad="50800" dist="38100" algn="tr" rotWithShape="0">
-                            <a:prstClr val="black">
-                              <a:alpha val="40000"/>
-                            </a:prstClr>
-                          </a:outerShdw>
-                        </a:effectLst>
-                        <a:latin typeface="Tahoma"/>
-                      </a:endParaRPr>
-                    </a:p>
-                  </a:txBody>
-                  <a:tcPr marL="9525" marR="9525" marT="9525" marB="0" anchor="ctr"/>
-                </a:tc>
-                <a:tc>
-                  <a:txBody>
-                    <a:bodyPr/>
-                    <a:lstStyle/>
-                    <a:p>
-                      <a:pPr algn="l" rtl="0" fontAlgn="ctr"/>
-                      <a:r>
-                        <a:rPr lang="ru-RU" sz="1400" u="none" strike="noStrike">
-                          <a:effectLst>
-                            <a:outerShdw blurRad="50800" dist="38100" algn="tr" rotWithShape="0">
-                              <a:prstClr val="black">
-                                <a:alpha val="40000"/>
-                              </a:prstClr>
-                            </a:outerShdw>
-                          </a:effectLst>
-                        </a:rPr>
-                        <a:t>(3В) 3,2</a:t>
-                      </a:r>
-                      <a:endParaRPr lang="ru-RU" sz="1400" b="0" i="0" u="none" strike="noStrike">
-                        <a:solidFill>
-                          <a:srgbClr val="000000"/>
-                        </a:solidFill>
-                        <a:effectLst>
-                          <a:outerShdw blurRad="50800" dist="38100" algn="tr" rotWithShape="0">
-                            <a:prstClr val="black">
-                              <a:alpha val="40000"/>
-                            </a:prstClr>
-                          </a:outerShdw>
-                        </a:effectLst>
-                        <a:latin typeface="Tahoma"/>
-                      </a:endParaRPr>
-                    </a:p>
-                  </a:txBody>
-                  <a:tcPr marL="9525" marR="9525" marT="9525" marB="0" anchor="ctr"/>
-                </a:tc>
-                <a:tc>
-                  <a:txBody>
-                    <a:bodyPr/>
-                    <a:lstStyle/>
-                    <a:p>
-                      <a:pPr algn="l" rtl="0" fontAlgn="ctr"/>
-                      <a:r>
-                        <a:rPr lang="ru-RU" sz="1400" u="none" strike="noStrike">
-                          <a:effectLst>
-                            <a:outerShdw blurRad="50800" dist="38100" algn="tr" rotWithShape="0">
-                              <a:prstClr val="black">
-                                <a:alpha val="40000"/>
-                              </a:prstClr>
-                            </a:outerShdw>
-                          </a:effectLst>
-                        </a:rPr>
-                        <a:t>(5Д) 3,52</a:t>
-                      </a:r>
-                      <a:endParaRPr lang="ru-RU" sz="1400" b="0" i="0" u="none" strike="noStrike">
-                        <a:solidFill>
-                          <a:srgbClr val="000000"/>
-                        </a:solidFill>
-                        <a:effectLst>
-                          <a:outerShdw blurRad="50800" dist="38100" algn="tr" rotWithShape="0">
-                            <a:prstClr val="black">
-                              <a:alpha val="40000"/>
-                            </a:prstClr>
-                          </a:outerShdw>
-                        </a:effectLst>
-                        <a:latin typeface="Tahoma"/>
-                      </a:endParaRPr>
-                    </a:p>
-                  </a:txBody>
-                  <a:tcPr marL="9525" marR="9525" marT="9525" marB="0" anchor="ctr"/>
-                </a:tc>
-                <a:tc>
-                  <a:txBody>
-                    <a:bodyPr/>
-                    <a:lstStyle/>
-                    <a:p>
-                      <a:pPr algn="l" rtl="0" fontAlgn="ctr"/>
-                      <a:r>
-                        <a:rPr lang="ru-RU" sz="1400" u="none" strike="noStrike">
-                          <a:effectLst>
-                            <a:outerShdw blurRad="50800" dist="38100" algn="tr" rotWithShape="0">
-                              <a:prstClr val="black">
-                                <a:alpha val="40000"/>
-                              </a:prstClr>
-                            </a:outerShdw>
-                          </a:effectLst>
-                        </a:rPr>
-                        <a:t> </a:t>
-                      </a:r>
-                      <a:endParaRPr lang="ru-RU" sz="1400" b="0" i="0" u="none" strike="noStrike">
-                        <a:solidFill>
-                          <a:srgbClr val="000000"/>
-                        </a:solidFill>
-                        <a:effectLst>
-                          <a:outerShdw blurRad="50800" dist="38100" algn="tr" rotWithShape="0">
-                            <a:prstClr val="black">
-                              <a:alpha val="40000"/>
-                            </a:prstClr>
-                          </a:outerShdw>
-                        </a:effectLst>
-                        <a:latin typeface="Tahoma"/>
-                      </a:endParaRPr>
-                    </a:p>
-                  </a:txBody>
-                  <a:tcPr marL="9525" marR="9525" marT="9525" marB="0" anchor="ctr"/>
-                </a:tc>
-                <a:extLst>
-                  <a:ext uri="{0D108BD9-81ED-4DB2-BD59-A6C34878D82A}">
-                    <a16:rowId xmlns:a16="http://schemas.microsoft.com/office/drawing/2014/main" val="10004"/>
-                  </a:ext>
-                </a:extLst>
-              </a:tr>
-              <a:tr h="228600">
-                <a:tc>
-                  <a:txBody>
-                    <a:bodyPr/>
-                    <a:lstStyle/>
-                    <a:p>
-                      <a:pPr algn="l" fontAlgn="b"/>
-                      <a:r>
-                        <a:rPr lang="ru-RU" sz="1100" u="none" strike="noStrike">
-                          <a:effectLst/>
-                        </a:rPr>
-                        <a:t> </a:t>
-                      </a:r>
-                      <a:endParaRPr lang="ru-RU" sz="1100" b="0" i="0" u="none" strike="noStrike">
-                        <a:solidFill>
-                          <a:srgbClr val="000000"/>
-                        </a:solidFill>
-                        <a:effectLst/>
-                        <a:latin typeface="Calibri"/>
-                      </a:endParaRPr>
-                    </a:p>
-                  </a:txBody>
-                  <a:tcPr marL="9525" marR="9525" marT="9525" marB="0" anchor="b"/>
-                </a:tc>
-                <a:tc>
-                  <a:txBody>
-                    <a:bodyPr/>
-                    <a:lstStyle/>
-                    <a:p>
-                      <a:pPr algn="l" rtl="0" fontAlgn="ctr"/>
-                      <a:r>
-                        <a:rPr lang="ru-RU" sz="1400" u="none" strike="noStrike">
-                          <a:effectLst>
-                            <a:outerShdw blurRad="50800" dist="38100" algn="tr" rotWithShape="0">
-                              <a:prstClr val="black">
-                                <a:alpha val="40000"/>
-                              </a:prstClr>
-                            </a:outerShdw>
-                          </a:effectLst>
-                        </a:rPr>
-                        <a:t>(4Г) 3,24</a:t>
-                      </a:r>
-                      <a:endParaRPr lang="ru-RU" sz="1400" b="0" i="0" u="none" strike="noStrike">
-                        <a:solidFill>
-                          <a:srgbClr val="000000"/>
-                        </a:solidFill>
-                        <a:effectLst>
-                          <a:outerShdw blurRad="50800" dist="38100" algn="tr" rotWithShape="0">
-                            <a:prstClr val="black">
-                              <a:alpha val="40000"/>
-                            </a:prstClr>
-                          </a:outerShdw>
-                        </a:effectLst>
-                        <a:latin typeface="Tahoma"/>
-                      </a:endParaRPr>
-                    </a:p>
-                  </a:txBody>
-                  <a:tcPr marL="9525" marR="9525" marT="9525" marB="0" anchor="ctr"/>
-                </a:tc>
-                <a:tc>
-                  <a:txBody>
-                    <a:bodyPr/>
-                    <a:lstStyle/>
-                    <a:p>
-                      <a:pPr algn="l" rtl="0" fontAlgn="ctr"/>
-                      <a:r>
-                        <a:rPr lang="ru-RU" sz="1400" u="none" strike="noStrike">
-                          <a:effectLst>
-                            <a:outerShdw blurRad="50800" dist="38100" algn="tr" rotWithShape="0">
-                              <a:prstClr val="black">
-                                <a:alpha val="40000"/>
-                              </a:prstClr>
-                            </a:outerShdw>
-                          </a:effectLst>
-                        </a:rPr>
-                        <a:t>(6Е) 3,32</a:t>
-                      </a:r>
-                      <a:endParaRPr lang="ru-RU" sz="1400" b="0" i="0" u="none" strike="noStrike">
-                        <a:solidFill>
-                          <a:srgbClr val="000000"/>
-                        </a:solidFill>
-                        <a:effectLst>
-                          <a:outerShdw blurRad="50800" dist="38100" algn="tr" rotWithShape="0">
-                            <a:prstClr val="black">
-                              <a:alpha val="40000"/>
-                            </a:prstClr>
-                          </a:outerShdw>
-                        </a:effectLst>
-                        <a:latin typeface="Tahoma"/>
-                      </a:endParaRPr>
-                    </a:p>
-                  </a:txBody>
-                  <a:tcPr marL="9525" marR="9525" marT="9525" marB="0" anchor="ctr"/>
-                </a:tc>
-                <a:tc>
-                  <a:txBody>
-                    <a:bodyPr/>
-                    <a:lstStyle/>
-                    <a:p>
-                      <a:pPr algn="l" fontAlgn="b"/>
-                      <a:r>
-                        <a:rPr lang="ru-RU" sz="1100" u="none" strike="noStrike">
-                          <a:effectLst/>
-                        </a:rPr>
-                        <a:t> </a:t>
-                      </a:r>
-                      <a:endParaRPr lang="ru-RU" sz="1100" b="0" i="0" u="none" strike="noStrike">
-                        <a:solidFill>
-                          <a:srgbClr val="000000"/>
-                        </a:solidFill>
-                        <a:effectLst/>
-                        <a:latin typeface="Calibri"/>
-                      </a:endParaRPr>
-                    </a:p>
-                  </a:txBody>
-                  <a:tcPr marL="9525" marR="9525" marT="9525" marB="0" anchor="b"/>
-                </a:tc>
-                <a:extLst>
-                  <a:ext uri="{0D108BD9-81ED-4DB2-BD59-A6C34878D82A}">
-                    <a16:rowId xmlns:a16="http://schemas.microsoft.com/office/drawing/2014/main" val="10005"/>
-                  </a:ext>
-                </a:extLst>
-              </a:tr>
-              <a:tr h="457200">
-                <a:tc>
-                  <a:txBody>
-                    <a:bodyPr/>
-                    <a:lstStyle/>
-                    <a:p>
-                      <a:pPr algn="l" rtl="0" fontAlgn="ctr"/>
-                      <a:r>
-                        <a:rPr lang="ru-RU" sz="1400" u="none" strike="noStrike" dirty="0">
-                          <a:effectLst>
-                            <a:outerShdw blurRad="50800" dist="38100" algn="tr" rotWithShape="0">
-                              <a:prstClr val="black">
-                                <a:alpha val="40000"/>
-                              </a:prstClr>
-                            </a:outerShdw>
-                          </a:effectLst>
-                        </a:rPr>
-                        <a:t>Средние </a:t>
-                      </a:r>
-                      <a:r>
-                        <a:rPr lang="ru-RU" sz="1400" u="none" strike="noStrike" dirty="0" err="1">
-                          <a:effectLst>
-                            <a:outerShdw blurRad="50800" dist="38100" algn="tr" rotWithShape="0">
-                              <a:prstClr val="black">
-                                <a:alpha val="40000"/>
-                              </a:prstClr>
-                            </a:outerShdw>
-                          </a:effectLst>
-                        </a:rPr>
-                        <a:t>пок</a:t>
-                      </a:r>
-                      <a:r>
-                        <a:rPr lang="ru-RU" sz="1400" u="none" strike="noStrike" dirty="0">
-                          <a:effectLst>
-                            <a:outerShdw blurRad="50800" dist="38100" algn="tr" rotWithShape="0">
-                              <a:prstClr val="black">
-                                <a:alpha val="40000"/>
-                              </a:prstClr>
-                            </a:outerShdw>
-                          </a:effectLst>
-                        </a:rPr>
-                        <a:t>-ли</a:t>
-                      </a:r>
-                      <a:endParaRPr lang="ru-RU" sz="1400" b="0" i="0" u="none" strike="noStrike" dirty="0">
-                        <a:solidFill>
-                          <a:srgbClr val="000000"/>
-                        </a:solidFill>
-                        <a:effectLst>
-                          <a:outerShdw blurRad="50800" dist="38100" algn="tr" rotWithShape="0">
-                            <a:prstClr val="black">
-                              <a:alpha val="40000"/>
-                            </a:prstClr>
-                          </a:outerShdw>
-                        </a:effectLst>
-                        <a:latin typeface="Tahoma"/>
-                      </a:endParaRPr>
-                    </a:p>
-                  </a:txBody>
-                  <a:tcPr marL="9525" marR="9525" marT="9525" marB="0" anchor="ctr"/>
-                </a:tc>
-                <a:tc>
-                  <a:txBody>
-                    <a:bodyPr/>
-                    <a:lstStyle/>
-                    <a:p>
-                      <a:pPr algn="ctr" rtl="0" fontAlgn="ctr"/>
-                      <a:r>
-                        <a:rPr lang="ru-RU" sz="1400" u="none" strike="noStrike">
-                          <a:effectLst>
-                            <a:outerShdw blurRad="50800" dist="38100" algn="tr" rotWithShape="0">
-                              <a:prstClr val="black">
-                                <a:alpha val="40000"/>
-                              </a:prstClr>
-                            </a:outerShdw>
-                          </a:effectLst>
-                        </a:rPr>
-                        <a:t>3,22</a:t>
-                      </a:r>
-                      <a:endParaRPr lang="ru-RU" sz="1400" b="0" i="0" u="none" strike="noStrike">
-                        <a:solidFill>
-                          <a:srgbClr val="000000"/>
-                        </a:solidFill>
-                        <a:effectLst>
-                          <a:outerShdw blurRad="50800" dist="38100" algn="tr" rotWithShape="0">
-                            <a:prstClr val="black">
-                              <a:alpha val="40000"/>
-                            </a:prstClr>
-                          </a:outerShdw>
-                        </a:effectLst>
-                        <a:latin typeface="Tahoma"/>
-                      </a:endParaRPr>
-                    </a:p>
-                  </a:txBody>
-                  <a:tcPr marL="9525" marR="9525" marT="9525" marB="0" anchor="ctr"/>
-                </a:tc>
-                <a:tc>
-                  <a:txBody>
-                    <a:bodyPr/>
-                    <a:lstStyle/>
-                    <a:p>
-                      <a:pPr algn="ctr" rtl="0" fontAlgn="ctr"/>
-                      <a:r>
-                        <a:rPr lang="ru-RU" sz="1400" u="none" strike="noStrike">
-                          <a:effectLst>
-                            <a:outerShdw blurRad="50800" dist="38100" algn="tr" rotWithShape="0">
-                              <a:prstClr val="black">
-                                <a:alpha val="40000"/>
-                              </a:prstClr>
-                            </a:outerShdw>
-                          </a:effectLst>
-                        </a:rPr>
-                        <a:t>3,42</a:t>
-                      </a:r>
-                      <a:endParaRPr lang="ru-RU" sz="1400" b="0" i="0" u="none" strike="noStrike">
-                        <a:solidFill>
-                          <a:srgbClr val="000000"/>
-                        </a:solidFill>
-                        <a:effectLst>
-                          <a:outerShdw blurRad="50800" dist="38100" algn="tr" rotWithShape="0">
-                            <a:prstClr val="black">
-                              <a:alpha val="40000"/>
-                            </a:prstClr>
-                          </a:outerShdw>
-                        </a:effectLst>
-                        <a:latin typeface="Tahoma"/>
-                      </a:endParaRPr>
-                    </a:p>
-                  </a:txBody>
-                  <a:tcPr marL="9525" marR="9525" marT="9525" marB="0" anchor="ctr"/>
-                </a:tc>
-                <a:tc>
-                  <a:txBody>
-                    <a:bodyPr/>
-                    <a:lstStyle/>
-                    <a:p>
-                      <a:pPr algn="l" fontAlgn="b"/>
-                      <a:r>
-                        <a:rPr lang="ru-RU" sz="1100" u="none" strike="noStrike" dirty="0">
-                          <a:effectLst/>
-                        </a:rPr>
-                        <a:t> </a:t>
-                      </a:r>
-                      <a:endParaRPr lang="ru-RU" sz="1100" b="0" i="0" u="none" strike="noStrike" dirty="0">
-                        <a:solidFill>
-                          <a:srgbClr val="000000"/>
-                        </a:solidFill>
-                        <a:effectLst/>
-                        <a:latin typeface="Calibri"/>
-                      </a:endParaRPr>
-                    </a:p>
-                  </a:txBody>
-                  <a:tcPr marL="9525" marR="9525" marT="9525" marB="0" anchor="b"/>
-                </a:tc>
-                <a:extLst>
-                  <a:ext uri="{0D108BD9-81ED-4DB2-BD59-A6C34878D82A}">
-                    <a16:rowId xmlns:a16="http://schemas.microsoft.com/office/drawing/2014/main" val="10006"/>
-                  </a:ext>
-                </a:extLst>
-              </a:tr>
-            </a:tbl>
-          </a:graphicData>
-        </a:graphic>
-      </p:graphicFrame>
-      <p:graphicFrame>
-        <p:nvGraphicFramePr>
-          <p:cNvPr id="19" name="Объект 18"/>
-          <p:cNvGraphicFramePr>
-            <a:graphicFrameLocks noGrp="1"/>
-          </p:cNvGraphicFramePr>
-          <p:nvPr>
-            <p:ph idx="1"/>
-            <p:extLst>
-              <p:ext uri="{D42A27DB-BD31-4B8C-83A1-F6EECF244321}">
-                <p14:modId xmlns:p14="http://schemas.microsoft.com/office/powerpoint/2010/main" val="2517280630"/>
-              </p:ext>
-            </p:extLst>
-          </p:nvPr>
-        </p:nvGraphicFramePr>
-        <p:xfrm>
-          <a:off x="650843" y="1478280"/>
-          <a:ext cx="5029200" cy="2514600"/>
-        </p:xfrm>
-        <a:graphic>
-          <a:graphicData uri="http://schemas.openxmlformats.org/drawingml/2006/table">
-            <a:tbl>
-              <a:tblPr>
-                <a:tableStyleId>{5C22544A-7EE6-4342-B048-85BDC9FD1C3A}</a:tableStyleId>
-              </a:tblPr>
-              <a:tblGrid>
-                <a:gridCol w="1255715">
-                  <a:extLst>
-                    <a:ext uri="{9D8B030D-6E8A-4147-A177-3AD203B41FA5}">
-                      <a16:colId xmlns:a16="http://schemas.microsoft.com/office/drawing/2014/main" val="20000"/>
-                    </a:ext>
-                  </a:extLst>
-                </a:gridCol>
-                <a:gridCol w="1588669">
-                  <a:extLst>
-                    <a:ext uri="{9D8B030D-6E8A-4147-A177-3AD203B41FA5}">
-                      <a16:colId xmlns:a16="http://schemas.microsoft.com/office/drawing/2014/main" val="20001"/>
-                    </a:ext>
-                  </a:extLst>
-                </a:gridCol>
-                <a:gridCol w="1281082">
-                  <a:extLst>
-                    <a:ext uri="{9D8B030D-6E8A-4147-A177-3AD203B41FA5}">
-                      <a16:colId xmlns:a16="http://schemas.microsoft.com/office/drawing/2014/main" val="20002"/>
-                    </a:ext>
-                  </a:extLst>
-                </a:gridCol>
-                <a:gridCol w="903734">
-                  <a:extLst>
-                    <a:ext uri="{9D8B030D-6E8A-4147-A177-3AD203B41FA5}">
-                      <a16:colId xmlns:a16="http://schemas.microsoft.com/office/drawing/2014/main" val="20003"/>
-                    </a:ext>
-                  </a:extLst>
-                </a:gridCol>
-              </a:tblGrid>
-              <a:tr h="228600">
-                <a:tc gridSpan="2">
-                  <a:txBody>
-                    <a:bodyPr/>
-                    <a:lstStyle/>
-                    <a:p>
-                      <a:pPr algn="l" rtl="0" fontAlgn="ctr"/>
-                      <a:r>
-                        <a:rPr lang="ru-RU" sz="1400" u="none" strike="noStrike" dirty="0">
-                          <a:effectLst>
-                            <a:outerShdw blurRad="50800" dist="38100" algn="tr" rotWithShape="0">
-                              <a:prstClr val="black">
-                                <a:alpha val="40000"/>
-                              </a:prstClr>
-                            </a:outerShdw>
-                          </a:effectLst>
-                        </a:rPr>
-                        <a:t>Коэффициент сплоченности</a:t>
-                      </a:r>
-                      <a:endParaRPr lang="ru-RU" sz="1400" b="0" i="1" u="none" strike="noStrike" dirty="0">
-                        <a:solidFill>
-                          <a:srgbClr val="000000"/>
-                        </a:solidFill>
-                        <a:effectLst>
-                          <a:outerShdw blurRad="50800" dist="38100" algn="tr" rotWithShape="0">
-                            <a:prstClr val="black">
-                              <a:alpha val="40000"/>
-                            </a:prstClr>
-                          </a:outerShdw>
-                        </a:effectLst>
-                        <a:latin typeface="Tahoma"/>
-                      </a:endParaRPr>
-                    </a:p>
-                  </a:txBody>
-                  <a:tcPr marL="9525" marR="9525" marT="9525" marB="0" anchor="ctr"/>
-                </a:tc>
-                <a:tc hMerge="1">
-                  <a:txBody>
-                    <a:bodyPr/>
-                    <a:lstStyle/>
-                    <a:p>
-                      <a:endParaRPr lang="ru-RU"/>
-                    </a:p>
-                  </a:txBody>
-                  <a:tcPr/>
-                </a:tc>
-                <a:tc>
-                  <a:txBody>
-                    <a:bodyPr/>
-                    <a:lstStyle/>
-                    <a:p>
-                      <a:pPr algn="l" fontAlgn="b"/>
-                      <a:endParaRPr lang="ru-RU" sz="1100" b="0" i="0" u="none" strike="noStrike" dirty="0">
-                        <a:solidFill>
-                          <a:srgbClr val="000000"/>
-                        </a:solidFill>
-                        <a:effectLst/>
-                        <a:latin typeface="Calibri"/>
-                      </a:endParaRPr>
-                    </a:p>
-                  </a:txBody>
-                  <a:tcPr marL="9525" marR="9525" marT="9525" marB="0" anchor="b"/>
-                </a:tc>
-                <a:tc>
-                  <a:txBody>
-                    <a:bodyPr/>
-                    <a:lstStyle/>
-                    <a:p>
-                      <a:pPr algn="l" fontAlgn="b"/>
-                      <a:endParaRPr lang="ru-RU" sz="1100" b="0" i="0" u="none" strike="noStrike">
-                        <a:solidFill>
-                          <a:srgbClr val="000000"/>
-                        </a:solidFill>
-                        <a:effectLst/>
-                        <a:latin typeface="Calibri"/>
-                      </a:endParaRPr>
-                    </a:p>
-                  </a:txBody>
-                  <a:tcPr marL="9525" marR="9525" marT="9525" marB="0" anchor="b"/>
-                </a:tc>
-                <a:extLst>
-                  <a:ext uri="{0D108BD9-81ED-4DB2-BD59-A6C34878D82A}">
-                    <a16:rowId xmlns:a16="http://schemas.microsoft.com/office/drawing/2014/main" val="10000"/>
-                  </a:ext>
-                </a:extLst>
-              </a:tr>
-              <a:tr h="457200">
-                <a:tc>
-                  <a:txBody>
-                    <a:bodyPr/>
-                    <a:lstStyle/>
-                    <a:p>
-                      <a:pPr algn="l" rtl="0" fontAlgn="ctr"/>
-                      <a:r>
-                        <a:rPr lang="ru-RU" sz="1400" u="none" strike="noStrike">
-                          <a:effectLst>
-                            <a:outerShdw blurRad="50800" dist="38100" algn="tr" rotWithShape="0">
-                              <a:prstClr val="black">
-                                <a:alpha val="40000"/>
-                              </a:prstClr>
-                            </a:outerShdw>
-                          </a:effectLst>
-                        </a:rPr>
-                        <a:t>Вид общения</a:t>
-                      </a:r>
-                      <a:endParaRPr lang="ru-RU" sz="1400" b="0" i="0" u="none" strike="noStrike">
-                        <a:solidFill>
-                          <a:srgbClr val="000000"/>
-                        </a:solidFill>
-                        <a:effectLst>
-                          <a:outerShdw blurRad="50800" dist="38100" algn="tr" rotWithShape="0">
-                            <a:prstClr val="black">
-                              <a:alpha val="40000"/>
-                            </a:prstClr>
-                          </a:outerShdw>
-                        </a:effectLst>
-                        <a:latin typeface="Tahoma"/>
-                      </a:endParaRPr>
-                    </a:p>
-                  </a:txBody>
-                  <a:tcPr marL="9525" marR="9525" marT="9525" marB="0" anchor="ctr"/>
-                </a:tc>
-                <a:tc>
-                  <a:txBody>
-                    <a:bodyPr/>
-                    <a:lstStyle/>
-                    <a:p>
-                      <a:pPr algn="l" rtl="0" fontAlgn="ctr"/>
-                      <a:r>
-                        <a:rPr lang="ru-RU" sz="1400" u="none" strike="noStrike" dirty="0">
-                          <a:effectLst>
-                            <a:outerShdw blurRad="50800" dist="38100" algn="tr" rotWithShape="0">
-                              <a:prstClr val="black">
-                                <a:alpha val="40000"/>
-                              </a:prstClr>
-                            </a:outerShdw>
-                          </a:effectLst>
-                        </a:rPr>
-                        <a:t>Неавторитетное</a:t>
-                      </a:r>
-                      <a:endParaRPr lang="ru-RU" sz="1400" b="0" i="0" u="none" strike="noStrike" dirty="0">
-                        <a:solidFill>
-                          <a:srgbClr val="000000"/>
-                        </a:solidFill>
-                        <a:effectLst>
-                          <a:outerShdw blurRad="50800" dist="38100" algn="tr" rotWithShape="0">
-                            <a:prstClr val="black">
-                              <a:alpha val="40000"/>
-                            </a:prstClr>
-                          </a:outerShdw>
-                        </a:effectLst>
-                        <a:latin typeface="Tahoma"/>
-                      </a:endParaRPr>
-                    </a:p>
-                  </a:txBody>
-                  <a:tcPr marL="9525" marR="9525" marT="9525" marB="0" anchor="ctr"/>
-                </a:tc>
-                <a:tc>
-                  <a:txBody>
-                    <a:bodyPr/>
-                    <a:lstStyle/>
-                    <a:p>
-                      <a:pPr algn="l" rtl="0" fontAlgn="ctr"/>
-                      <a:r>
-                        <a:rPr lang="ru-RU" sz="1400" u="none" strike="noStrike">
-                          <a:effectLst>
-                            <a:outerShdw blurRad="50800" dist="38100" algn="tr" rotWithShape="0">
-                              <a:prstClr val="black">
-                                <a:alpha val="40000"/>
-                              </a:prstClr>
-                            </a:outerShdw>
-                          </a:effectLst>
-                        </a:rPr>
-                        <a:t>Авторитетное </a:t>
-                      </a:r>
-                      <a:endParaRPr lang="ru-RU" sz="1400" b="0" i="0" u="none" strike="noStrike">
-                        <a:solidFill>
-                          <a:srgbClr val="000000"/>
-                        </a:solidFill>
-                        <a:effectLst>
-                          <a:outerShdw blurRad="50800" dist="38100" algn="tr" rotWithShape="0">
-                            <a:prstClr val="black">
-                              <a:alpha val="40000"/>
-                            </a:prstClr>
-                          </a:outerShdw>
-                        </a:effectLst>
-                        <a:latin typeface="Tahoma"/>
-                      </a:endParaRPr>
-                    </a:p>
-                  </a:txBody>
-                  <a:tcPr marL="9525" marR="9525" marT="9525" marB="0" anchor="ctr"/>
-                </a:tc>
-                <a:tc>
-                  <a:txBody>
-                    <a:bodyPr/>
-                    <a:lstStyle/>
-                    <a:p>
-                      <a:pPr algn="l" rtl="0" fontAlgn="ctr"/>
-                      <a:r>
-                        <a:rPr lang="ru-RU" sz="1400" u="none" strike="noStrike">
-                          <a:effectLst>
-                            <a:outerShdw blurRad="50800" dist="38100" algn="tr" rotWithShape="0">
-                              <a:prstClr val="black">
-                                <a:alpha val="40000"/>
-                              </a:prstClr>
-                            </a:outerShdw>
-                          </a:effectLst>
-                        </a:rPr>
-                        <a:t>Средние пок-ли</a:t>
-                      </a:r>
-                      <a:endParaRPr lang="ru-RU" sz="1400" b="0" i="0" u="none" strike="noStrike">
-                        <a:solidFill>
-                          <a:srgbClr val="000000"/>
-                        </a:solidFill>
-                        <a:effectLst>
-                          <a:outerShdw blurRad="50800" dist="38100" algn="tr" rotWithShape="0">
-                            <a:prstClr val="black">
-                              <a:alpha val="40000"/>
-                            </a:prstClr>
-                          </a:outerShdw>
-                        </a:effectLst>
-                        <a:latin typeface="Tahoma"/>
-                      </a:endParaRPr>
-                    </a:p>
-                  </a:txBody>
-                  <a:tcPr marL="9525" marR="9525" marT="9525" marB="0" anchor="ctr"/>
-                </a:tc>
-                <a:extLst>
-                  <a:ext uri="{0D108BD9-81ED-4DB2-BD59-A6C34878D82A}">
-                    <a16:rowId xmlns:a16="http://schemas.microsoft.com/office/drawing/2014/main" val="10001"/>
-                  </a:ext>
-                </a:extLst>
-              </a:tr>
-              <a:tr h="228600">
-                <a:tc>
-                  <a:txBody>
-                    <a:bodyPr/>
-                    <a:lstStyle/>
-                    <a:p>
-                      <a:pPr algn="l" rtl="0" fontAlgn="ctr"/>
-                      <a:r>
-                        <a:rPr lang="ru-RU" sz="1400" u="none" strike="noStrike">
-                          <a:effectLst>
-                            <a:outerShdw blurRad="50800" dist="38100" algn="tr" rotWithShape="0">
-                              <a:prstClr val="black">
-                                <a:alpha val="40000"/>
-                              </a:prstClr>
-                            </a:outerShdw>
-                          </a:effectLst>
-                        </a:rPr>
-                        <a:t>Не формальн</a:t>
-                      </a:r>
-                      <a:endParaRPr lang="ru-RU" sz="1400" b="0" i="0" u="none" strike="noStrike">
-                        <a:solidFill>
-                          <a:srgbClr val="000000"/>
-                        </a:solidFill>
-                        <a:effectLst>
-                          <a:outerShdw blurRad="50800" dist="38100" algn="tr" rotWithShape="0">
-                            <a:prstClr val="black">
-                              <a:alpha val="40000"/>
-                            </a:prstClr>
-                          </a:outerShdw>
-                        </a:effectLst>
-                        <a:latin typeface="Tahoma"/>
-                      </a:endParaRPr>
-                    </a:p>
-                  </a:txBody>
-                  <a:tcPr marL="9525" marR="9525" marT="9525" marB="0" anchor="ctr"/>
-                </a:tc>
-                <a:tc>
-                  <a:txBody>
-                    <a:bodyPr/>
-                    <a:lstStyle/>
-                    <a:p>
-                      <a:pPr algn="l" rtl="0" fontAlgn="ctr"/>
-                      <a:r>
-                        <a:rPr lang="ru-RU" sz="1400" u="none" strike="noStrike">
-                          <a:effectLst>
-                            <a:outerShdw blurRad="50800" dist="38100" algn="tr" rotWithShape="0">
-                              <a:prstClr val="black">
-                                <a:alpha val="40000"/>
-                              </a:prstClr>
-                            </a:outerShdw>
-                          </a:effectLst>
-                        </a:rPr>
-                        <a:t>(1А) 23,81%</a:t>
-                      </a:r>
-                      <a:endParaRPr lang="ru-RU" sz="1400" b="0" i="0" u="none" strike="noStrike">
-                        <a:solidFill>
-                          <a:srgbClr val="000000"/>
-                        </a:solidFill>
-                        <a:effectLst>
-                          <a:outerShdw blurRad="50800" dist="38100" algn="tr" rotWithShape="0">
-                            <a:prstClr val="black">
-                              <a:alpha val="40000"/>
-                            </a:prstClr>
-                          </a:outerShdw>
-                        </a:effectLst>
-                        <a:latin typeface="Tahoma"/>
-                      </a:endParaRPr>
-                    </a:p>
-                  </a:txBody>
-                  <a:tcPr marL="9525" marR="9525" marT="9525" marB="0" anchor="ctr"/>
-                </a:tc>
-                <a:tc>
-                  <a:txBody>
-                    <a:bodyPr/>
-                    <a:lstStyle/>
-                    <a:p>
-                      <a:pPr algn="l" rtl="0" fontAlgn="ctr"/>
-                      <a:r>
-                        <a:rPr lang="ru-RU" sz="1400" u="none" strike="noStrike">
-                          <a:effectLst>
-                            <a:outerShdw blurRad="50800" dist="38100" algn="tr" rotWithShape="0">
-                              <a:prstClr val="black">
-                                <a:alpha val="40000"/>
-                              </a:prstClr>
-                            </a:outerShdw>
-                          </a:effectLst>
-                        </a:rPr>
-                        <a:t>(2Б) 13,92%</a:t>
-                      </a:r>
-                      <a:endParaRPr lang="ru-RU" sz="1400" b="0" i="0" u="none" strike="noStrike">
-                        <a:solidFill>
-                          <a:srgbClr val="000000"/>
-                        </a:solidFill>
-                        <a:effectLst>
-                          <a:outerShdw blurRad="50800" dist="38100" algn="tr" rotWithShape="0">
-                            <a:prstClr val="black">
-                              <a:alpha val="40000"/>
-                            </a:prstClr>
-                          </a:outerShdw>
-                        </a:effectLst>
-                        <a:latin typeface="Tahoma"/>
-                      </a:endParaRPr>
-                    </a:p>
-                  </a:txBody>
-                  <a:tcPr marL="9525" marR="9525" marT="9525" marB="0" anchor="ctr"/>
-                </a:tc>
-                <a:tc>
-                  <a:txBody>
-                    <a:bodyPr/>
-                    <a:lstStyle/>
-                    <a:p>
-                      <a:pPr algn="l" rtl="0" fontAlgn="ctr"/>
-                      <a:r>
-                        <a:rPr lang="ru-RU" sz="1400" u="none" strike="noStrike">
-                          <a:effectLst>
-                            <a:outerShdw blurRad="50800" dist="38100" algn="tr" rotWithShape="0">
-                              <a:prstClr val="black">
-                                <a:alpha val="40000"/>
-                              </a:prstClr>
-                            </a:outerShdw>
-                          </a:effectLst>
-                        </a:rPr>
-                        <a:t>18,87%</a:t>
-                      </a:r>
-                      <a:endParaRPr lang="ru-RU" sz="1400" b="0" i="0" u="none" strike="noStrike">
-                        <a:solidFill>
-                          <a:srgbClr val="000000"/>
-                        </a:solidFill>
-                        <a:effectLst>
-                          <a:outerShdw blurRad="50800" dist="38100" algn="tr" rotWithShape="0">
-                            <a:prstClr val="black">
-                              <a:alpha val="40000"/>
-                            </a:prstClr>
-                          </a:outerShdw>
-                        </a:effectLst>
-                        <a:latin typeface="Tahoma"/>
-                      </a:endParaRPr>
-                    </a:p>
-                  </a:txBody>
-                  <a:tcPr marL="9525" marR="9525" marT="9525" marB="0" anchor="ctr"/>
-                </a:tc>
-                <a:extLst>
-                  <a:ext uri="{0D108BD9-81ED-4DB2-BD59-A6C34878D82A}">
-                    <a16:rowId xmlns:a16="http://schemas.microsoft.com/office/drawing/2014/main" val="10002"/>
-                  </a:ext>
-                </a:extLst>
-              </a:tr>
-              <a:tr h="685800">
-                <a:tc>
-                  <a:txBody>
-                    <a:bodyPr/>
-                    <a:lstStyle/>
-                    <a:p>
-                      <a:pPr algn="l" fontAlgn="t"/>
-                      <a:r>
-                        <a:rPr lang="ru-RU" sz="1800" u="none" strike="noStrike">
-                          <a:effectLst/>
-                        </a:rPr>
-                        <a:t> </a:t>
-                      </a:r>
-                      <a:endParaRPr lang="ru-RU" sz="1800" b="0" i="0" u="none" strike="noStrike">
-                        <a:solidFill>
-                          <a:srgbClr val="000000"/>
-                        </a:solidFill>
-                        <a:effectLst/>
-                        <a:latin typeface="Arial"/>
-                      </a:endParaRPr>
-                    </a:p>
-                  </a:txBody>
-                  <a:tcPr marL="9525" marR="9525" marT="9525" marB="0"/>
-                </a:tc>
-                <a:tc>
-                  <a:txBody>
-                    <a:bodyPr/>
-                    <a:lstStyle/>
-                    <a:p>
-                      <a:pPr algn="l" rtl="0" fontAlgn="ctr"/>
-                      <a:r>
-                        <a:rPr lang="ru-RU" sz="1400" u="none" strike="noStrike">
-                          <a:effectLst>
-                            <a:outerShdw blurRad="50800" dist="38100" algn="tr" rotWithShape="0">
-                              <a:prstClr val="black">
-                                <a:alpha val="40000"/>
-                              </a:prstClr>
-                            </a:outerShdw>
-                          </a:effectLst>
-                        </a:rPr>
-                        <a:t>Менее значимое (актуал.)</a:t>
-                      </a:r>
-                      <a:endParaRPr lang="ru-RU" sz="1400" b="0" i="0" u="none" strike="noStrike">
-                        <a:solidFill>
-                          <a:srgbClr val="000000"/>
-                        </a:solidFill>
-                        <a:effectLst>
-                          <a:outerShdw blurRad="50800" dist="38100" algn="tr" rotWithShape="0">
-                            <a:prstClr val="black">
-                              <a:alpha val="40000"/>
-                            </a:prstClr>
-                          </a:outerShdw>
-                        </a:effectLst>
-                        <a:latin typeface="Tahoma"/>
-                      </a:endParaRPr>
-                    </a:p>
-                  </a:txBody>
-                  <a:tcPr marL="9525" marR="9525" marT="9525" marB="0" anchor="ctr"/>
-                </a:tc>
-                <a:tc>
-                  <a:txBody>
-                    <a:bodyPr/>
-                    <a:lstStyle/>
-                    <a:p>
-                      <a:pPr algn="l" rtl="0" fontAlgn="ctr"/>
-                      <a:r>
-                        <a:rPr lang="ru-RU" sz="1400" u="none" strike="noStrike">
-                          <a:effectLst>
-                            <a:outerShdw blurRad="50800" dist="38100" algn="tr" rotWithShape="0">
-                              <a:prstClr val="black">
-                                <a:alpha val="40000"/>
-                              </a:prstClr>
-                            </a:outerShdw>
-                          </a:effectLst>
-                        </a:rPr>
-                        <a:t>Более значимое (неакт.)</a:t>
-                      </a:r>
-                      <a:endParaRPr lang="ru-RU" sz="1400" b="0" i="0" u="none" strike="noStrike">
-                        <a:solidFill>
-                          <a:srgbClr val="000000"/>
-                        </a:solidFill>
-                        <a:effectLst>
-                          <a:outerShdw blurRad="50800" dist="38100" algn="tr" rotWithShape="0">
-                            <a:prstClr val="black">
-                              <a:alpha val="40000"/>
-                            </a:prstClr>
-                          </a:outerShdw>
-                        </a:effectLst>
-                        <a:latin typeface="Tahoma"/>
-                      </a:endParaRPr>
-                    </a:p>
-                  </a:txBody>
-                  <a:tcPr marL="9525" marR="9525" marT="9525" marB="0" anchor="ctr"/>
-                </a:tc>
-                <a:tc>
-                  <a:txBody>
-                    <a:bodyPr/>
-                    <a:lstStyle/>
-                    <a:p>
-                      <a:pPr algn="l" fontAlgn="t"/>
-                      <a:r>
-                        <a:rPr lang="ru-RU" sz="1800" u="none" strike="noStrike">
-                          <a:effectLst/>
-                        </a:rPr>
-                        <a:t> </a:t>
-                      </a:r>
-                      <a:endParaRPr lang="ru-RU" sz="1800" b="0" i="0" u="none" strike="noStrike">
-                        <a:solidFill>
-                          <a:srgbClr val="000000"/>
-                        </a:solidFill>
-                        <a:effectLst/>
-                        <a:latin typeface="Arial"/>
-                      </a:endParaRPr>
-                    </a:p>
-                  </a:txBody>
-                  <a:tcPr marL="9525" marR="9525" marT="9525" marB="0"/>
-                </a:tc>
-                <a:extLst>
-                  <a:ext uri="{0D108BD9-81ED-4DB2-BD59-A6C34878D82A}">
-                    <a16:rowId xmlns:a16="http://schemas.microsoft.com/office/drawing/2014/main" val="10003"/>
-                  </a:ext>
-                </a:extLst>
-              </a:tr>
-              <a:tr h="228600">
-                <a:tc>
-                  <a:txBody>
-                    <a:bodyPr/>
-                    <a:lstStyle/>
-                    <a:p>
-                      <a:pPr algn="l" rtl="0" fontAlgn="ctr"/>
-                      <a:r>
-                        <a:rPr lang="ru-RU" sz="1400" u="none" strike="noStrike">
-                          <a:effectLst>
-                            <a:outerShdw blurRad="50800" dist="38100" algn="tr" rotWithShape="0">
-                              <a:prstClr val="black">
-                                <a:alpha val="40000"/>
-                              </a:prstClr>
-                            </a:outerShdw>
-                          </a:effectLst>
-                        </a:rPr>
-                        <a:t>Формальн</a:t>
-                      </a:r>
-                      <a:endParaRPr lang="ru-RU" sz="1400" b="0" i="0" u="none" strike="noStrike">
-                        <a:solidFill>
-                          <a:srgbClr val="000000"/>
-                        </a:solidFill>
-                        <a:effectLst>
-                          <a:outerShdw blurRad="50800" dist="38100" algn="tr" rotWithShape="0">
-                            <a:prstClr val="black">
-                              <a:alpha val="40000"/>
-                            </a:prstClr>
-                          </a:outerShdw>
-                        </a:effectLst>
-                        <a:latin typeface="Tahoma"/>
-                      </a:endParaRPr>
-                    </a:p>
-                  </a:txBody>
-                  <a:tcPr marL="9525" marR="9525" marT="9525" marB="0" anchor="ctr"/>
-                </a:tc>
-                <a:tc>
-                  <a:txBody>
-                    <a:bodyPr/>
-                    <a:lstStyle/>
-                    <a:p>
-                      <a:pPr algn="l" rtl="0" fontAlgn="ctr"/>
-                      <a:r>
-                        <a:rPr lang="ru-RU" sz="1400" u="none" strike="noStrike">
-                          <a:effectLst>
-                            <a:outerShdw blurRad="50800" dist="38100" algn="tr" rotWithShape="0">
-                              <a:prstClr val="black">
-                                <a:alpha val="40000"/>
-                              </a:prstClr>
-                            </a:outerShdw>
-                          </a:effectLst>
-                        </a:rPr>
-                        <a:t>(3В) 17,50%</a:t>
-                      </a:r>
-                      <a:endParaRPr lang="ru-RU" sz="1400" b="0" i="0" u="none" strike="noStrike">
-                        <a:solidFill>
-                          <a:srgbClr val="000000"/>
-                        </a:solidFill>
-                        <a:effectLst>
-                          <a:outerShdw blurRad="50800" dist="38100" algn="tr" rotWithShape="0">
-                            <a:prstClr val="black">
-                              <a:alpha val="40000"/>
-                            </a:prstClr>
-                          </a:outerShdw>
-                        </a:effectLst>
-                        <a:latin typeface="Tahoma"/>
-                      </a:endParaRPr>
-                    </a:p>
-                  </a:txBody>
-                  <a:tcPr marL="9525" marR="9525" marT="9525" marB="0" anchor="ctr"/>
-                </a:tc>
-                <a:tc>
-                  <a:txBody>
-                    <a:bodyPr/>
-                    <a:lstStyle/>
-                    <a:p>
-                      <a:pPr algn="l" rtl="0" fontAlgn="ctr"/>
-                      <a:r>
-                        <a:rPr lang="ru-RU" sz="1400" u="none" strike="noStrike">
-                          <a:effectLst>
-                            <a:outerShdw blurRad="50800" dist="38100" algn="tr" rotWithShape="0">
-                              <a:prstClr val="black">
-                                <a:alpha val="40000"/>
-                              </a:prstClr>
-                            </a:outerShdw>
-                          </a:effectLst>
-                        </a:rPr>
-                        <a:t>(5Д) 11,36%</a:t>
-                      </a:r>
-                      <a:endParaRPr lang="ru-RU" sz="1400" b="0" i="0" u="none" strike="noStrike">
-                        <a:solidFill>
-                          <a:srgbClr val="000000"/>
-                        </a:solidFill>
-                        <a:effectLst>
-                          <a:outerShdw blurRad="50800" dist="38100" algn="tr" rotWithShape="0">
-                            <a:prstClr val="black">
-                              <a:alpha val="40000"/>
-                            </a:prstClr>
-                          </a:outerShdw>
-                        </a:effectLst>
-                        <a:latin typeface="Tahoma"/>
-                      </a:endParaRPr>
-                    </a:p>
-                  </a:txBody>
-                  <a:tcPr marL="9525" marR="9525" marT="9525" marB="0" anchor="ctr"/>
-                </a:tc>
-                <a:tc>
-                  <a:txBody>
-                    <a:bodyPr/>
-                    <a:lstStyle/>
-                    <a:p>
-                      <a:pPr algn="l" rtl="0" fontAlgn="ctr"/>
-                      <a:r>
-                        <a:rPr lang="ru-RU" sz="1400" u="none" strike="noStrike" dirty="0">
-                          <a:effectLst>
-                            <a:outerShdw blurRad="50800" dist="38100" algn="tr" rotWithShape="0">
-                              <a:prstClr val="black">
-                                <a:alpha val="40000"/>
-                              </a:prstClr>
-                            </a:outerShdw>
-                          </a:effectLst>
-                        </a:rPr>
-                        <a:t> </a:t>
-                      </a:r>
-                      <a:endParaRPr lang="ru-RU" sz="1400" b="0" i="0" u="none" strike="noStrike" dirty="0">
-                        <a:solidFill>
-                          <a:srgbClr val="000000"/>
-                        </a:solidFill>
-                        <a:effectLst>
-                          <a:outerShdw blurRad="50800" dist="38100" algn="tr" rotWithShape="0">
-                            <a:prstClr val="black">
-                              <a:alpha val="40000"/>
-                            </a:prstClr>
-                          </a:outerShdw>
-                        </a:effectLst>
-                        <a:latin typeface="Tahoma"/>
-                      </a:endParaRPr>
-                    </a:p>
-                  </a:txBody>
-                  <a:tcPr marL="9525" marR="9525" marT="9525" marB="0" anchor="ctr"/>
-                </a:tc>
-                <a:extLst>
-                  <a:ext uri="{0D108BD9-81ED-4DB2-BD59-A6C34878D82A}">
-                    <a16:rowId xmlns:a16="http://schemas.microsoft.com/office/drawing/2014/main" val="10004"/>
-                  </a:ext>
-                </a:extLst>
-              </a:tr>
-              <a:tr h="228600">
-                <a:tc>
-                  <a:txBody>
-                    <a:bodyPr/>
-                    <a:lstStyle/>
-                    <a:p>
-                      <a:pPr algn="l" fontAlgn="b"/>
-                      <a:r>
-                        <a:rPr lang="ru-RU" sz="1100" u="none" strike="noStrike">
-                          <a:effectLst/>
-                        </a:rPr>
-                        <a:t> </a:t>
-                      </a:r>
-                      <a:endParaRPr lang="ru-RU" sz="1100" b="0" i="0" u="none" strike="noStrike">
-                        <a:solidFill>
-                          <a:srgbClr val="000000"/>
-                        </a:solidFill>
-                        <a:effectLst/>
-                        <a:latin typeface="Calibri"/>
-                      </a:endParaRPr>
-                    </a:p>
-                  </a:txBody>
-                  <a:tcPr marL="9525" marR="9525" marT="9525" marB="0" anchor="b"/>
-                </a:tc>
-                <a:tc>
-                  <a:txBody>
-                    <a:bodyPr/>
-                    <a:lstStyle/>
-                    <a:p>
-                      <a:pPr algn="l" rtl="0" fontAlgn="ctr"/>
-                      <a:r>
-                        <a:rPr lang="ru-RU" sz="1400" u="none" strike="noStrike">
-                          <a:effectLst>
-                            <a:outerShdw blurRad="50800" dist="38100" algn="tr" rotWithShape="0">
-                              <a:prstClr val="black">
-                                <a:alpha val="40000"/>
-                              </a:prstClr>
-                            </a:outerShdw>
-                          </a:effectLst>
-                        </a:rPr>
-                        <a:t>(4Г) 20,99%</a:t>
-                      </a:r>
-                      <a:endParaRPr lang="ru-RU" sz="1400" b="0" i="0" u="none" strike="noStrike">
-                        <a:solidFill>
-                          <a:srgbClr val="000000"/>
-                        </a:solidFill>
-                        <a:effectLst>
-                          <a:outerShdw blurRad="50800" dist="38100" algn="tr" rotWithShape="0">
-                            <a:prstClr val="black">
-                              <a:alpha val="40000"/>
-                            </a:prstClr>
-                          </a:outerShdw>
-                        </a:effectLst>
-                        <a:latin typeface="Tahoma"/>
-                      </a:endParaRPr>
-                    </a:p>
-                  </a:txBody>
-                  <a:tcPr marL="9525" marR="9525" marT="9525" marB="0" anchor="ctr"/>
-                </a:tc>
-                <a:tc>
-                  <a:txBody>
-                    <a:bodyPr/>
-                    <a:lstStyle/>
-                    <a:p>
-                      <a:pPr algn="l" rtl="0" fontAlgn="ctr"/>
-                      <a:r>
-                        <a:rPr lang="ru-RU" sz="1400" u="none" strike="noStrike">
-                          <a:effectLst>
-                            <a:outerShdw blurRad="50800" dist="38100" algn="tr" rotWithShape="0">
-                              <a:prstClr val="black">
-                                <a:alpha val="40000"/>
-                              </a:prstClr>
-                            </a:outerShdw>
-                          </a:effectLst>
-                        </a:rPr>
-                        <a:t>(6Е) 18,07%</a:t>
-                      </a:r>
-                      <a:endParaRPr lang="ru-RU" sz="1400" b="0" i="0" u="none" strike="noStrike">
-                        <a:solidFill>
-                          <a:srgbClr val="000000"/>
-                        </a:solidFill>
-                        <a:effectLst>
-                          <a:outerShdw blurRad="50800" dist="38100" algn="tr" rotWithShape="0">
-                            <a:prstClr val="black">
-                              <a:alpha val="40000"/>
-                            </a:prstClr>
-                          </a:outerShdw>
-                        </a:effectLst>
-                        <a:latin typeface="Tahoma"/>
-                      </a:endParaRPr>
-                    </a:p>
-                  </a:txBody>
-                  <a:tcPr marL="9525" marR="9525" marT="9525" marB="0" anchor="ctr"/>
-                </a:tc>
-                <a:tc>
-                  <a:txBody>
-                    <a:bodyPr/>
-                    <a:lstStyle/>
-                    <a:p>
-                      <a:pPr algn="l" fontAlgn="b"/>
-                      <a:r>
-                        <a:rPr lang="ru-RU" sz="1100" u="none" strike="noStrike" dirty="0">
-                          <a:effectLst/>
-                        </a:rPr>
-                        <a:t> </a:t>
-                      </a:r>
-                      <a:endParaRPr lang="ru-RU" sz="1100" b="0" i="0" u="none" strike="noStrike" dirty="0">
-                        <a:solidFill>
-                          <a:srgbClr val="000000"/>
-                        </a:solidFill>
-                        <a:effectLst/>
-                        <a:latin typeface="Calibri"/>
-                      </a:endParaRPr>
-                    </a:p>
-                  </a:txBody>
-                  <a:tcPr marL="9525" marR="9525" marT="9525" marB="0" anchor="b"/>
-                </a:tc>
-                <a:extLst>
-                  <a:ext uri="{0D108BD9-81ED-4DB2-BD59-A6C34878D82A}">
-                    <a16:rowId xmlns:a16="http://schemas.microsoft.com/office/drawing/2014/main" val="10005"/>
-                  </a:ext>
-                </a:extLst>
-              </a:tr>
-              <a:tr h="457200">
-                <a:tc>
-                  <a:txBody>
-                    <a:bodyPr/>
-                    <a:lstStyle/>
-                    <a:p>
-                      <a:pPr algn="l" rtl="0" fontAlgn="ctr"/>
-                      <a:r>
-                        <a:rPr lang="ru-RU" sz="1400" u="none" strike="noStrike">
-                          <a:effectLst>
-                            <a:outerShdw blurRad="50800" dist="38100" algn="tr" rotWithShape="0">
-                              <a:prstClr val="black">
-                                <a:alpha val="40000"/>
-                              </a:prstClr>
-                            </a:outerShdw>
-                          </a:effectLst>
-                        </a:rPr>
-                        <a:t>Средние пок-ли</a:t>
-                      </a:r>
-                      <a:endParaRPr lang="ru-RU" sz="1400" b="0" i="0" u="none" strike="noStrike">
-                        <a:solidFill>
-                          <a:srgbClr val="000000"/>
-                        </a:solidFill>
-                        <a:effectLst>
-                          <a:outerShdw blurRad="50800" dist="38100" algn="tr" rotWithShape="0">
-                            <a:prstClr val="black">
-                              <a:alpha val="40000"/>
-                            </a:prstClr>
-                          </a:outerShdw>
-                        </a:effectLst>
-                        <a:latin typeface="Tahoma"/>
-                      </a:endParaRPr>
-                    </a:p>
-                  </a:txBody>
-                  <a:tcPr marL="9525" marR="9525" marT="9525" marB="0" anchor="ctr"/>
-                </a:tc>
-                <a:tc>
-                  <a:txBody>
-                    <a:bodyPr/>
-                    <a:lstStyle/>
-                    <a:p>
-                      <a:pPr algn="ctr" rtl="0" fontAlgn="ctr"/>
-                      <a:r>
-                        <a:rPr lang="ru-RU" sz="1400" u="none" strike="noStrike" dirty="0">
-                          <a:effectLst>
-                            <a:outerShdw blurRad="50800" dist="38100" algn="tr" rotWithShape="0">
-                              <a:prstClr val="black">
-                                <a:alpha val="40000"/>
-                              </a:prstClr>
-                            </a:outerShdw>
-                          </a:effectLst>
-                        </a:rPr>
-                        <a:t>19,25%</a:t>
-                      </a:r>
-                      <a:endParaRPr lang="ru-RU" sz="1400" b="0" i="0" u="none" strike="noStrike" dirty="0">
-                        <a:solidFill>
-                          <a:srgbClr val="000000"/>
-                        </a:solidFill>
-                        <a:effectLst>
-                          <a:outerShdw blurRad="50800" dist="38100" algn="tr" rotWithShape="0">
-                            <a:prstClr val="black">
-                              <a:alpha val="40000"/>
-                            </a:prstClr>
-                          </a:outerShdw>
-                        </a:effectLst>
-                        <a:latin typeface="Tahoma"/>
-                      </a:endParaRPr>
-                    </a:p>
-                  </a:txBody>
-                  <a:tcPr marL="9525" marR="9525" marT="9525" marB="0" anchor="ctr"/>
-                </a:tc>
-                <a:tc>
-                  <a:txBody>
-                    <a:bodyPr/>
-                    <a:lstStyle/>
-                    <a:p>
-                      <a:pPr algn="ctr" rtl="0" fontAlgn="ctr"/>
-                      <a:r>
-                        <a:rPr lang="ru-RU" sz="1400" u="none" strike="noStrike">
-                          <a:effectLst>
-                            <a:outerShdw blurRad="50800" dist="38100" algn="tr" rotWithShape="0">
-                              <a:prstClr val="black">
-                                <a:alpha val="40000"/>
-                              </a:prstClr>
-                            </a:outerShdw>
-                          </a:effectLst>
-                        </a:rPr>
-                        <a:t>14,72%</a:t>
-                      </a:r>
-                      <a:endParaRPr lang="ru-RU" sz="1400" b="0" i="0" u="none" strike="noStrike">
-                        <a:solidFill>
-                          <a:srgbClr val="000000"/>
-                        </a:solidFill>
-                        <a:effectLst>
-                          <a:outerShdw blurRad="50800" dist="38100" algn="tr" rotWithShape="0">
-                            <a:prstClr val="black">
-                              <a:alpha val="40000"/>
-                            </a:prstClr>
-                          </a:outerShdw>
-                        </a:effectLst>
-                        <a:latin typeface="Tahoma"/>
-                      </a:endParaRPr>
-                    </a:p>
-                  </a:txBody>
-                  <a:tcPr marL="9525" marR="9525" marT="9525" marB="0" anchor="ctr"/>
-                </a:tc>
-                <a:tc>
-                  <a:txBody>
-                    <a:bodyPr/>
-                    <a:lstStyle/>
-                    <a:p>
-                      <a:pPr algn="l" fontAlgn="b"/>
-                      <a:r>
-                        <a:rPr lang="ru-RU" sz="1100" u="none" strike="noStrike" dirty="0">
-                          <a:effectLst/>
-                        </a:rPr>
-                        <a:t> </a:t>
-                      </a:r>
-                      <a:endParaRPr lang="ru-RU" sz="1100" b="0" i="0" u="none" strike="noStrike" dirty="0">
-                        <a:solidFill>
-                          <a:srgbClr val="000000"/>
-                        </a:solidFill>
-                        <a:effectLst/>
-                        <a:latin typeface="Calibri"/>
-                      </a:endParaRPr>
-                    </a:p>
-                  </a:txBody>
-                  <a:tcPr marL="9525" marR="9525" marT="9525" marB="0" anchor="b"/>
-                </a:tc>
-                <a:extLst>
-                  <a:ext uri="{0D108BD9-81ED-4DB2-BD59-A6C34878D82A}">
-                    <a16:rowId xmlns:a16="http://schemas.microsoft.com/office/drawing/2014/main" val="10006"/>
-                  </a:ext>
-                </a:extLst>
-              </a:tr>
-            </a:tbl>
-          </a:graphicData>
-        </a:graphic>
-      </p:graphicFrame>
-      <p:graphicFrame>
-        <p:nvGraphicFramePr>
-          <p:cNvPr id="23" name="Таблица 22"/>
-          <p:cNvGraphicFramePr>
-            <a:graphicFrameLocks noGrp="1"/>
-          </p:cNvGraphicFramePr>
-          <p:nvPr>
-            <p:extLst>
-              <p:ext uri="{D42A27DB-BD31-4B8C-83A1-F6EECF244321}">
-                <p14:modId xmlns:p14="http://schemas.microsoft.com/office/powerpoint/2010/main" val="2882462097"/>
-              </p:ext>
-            </p:extLst>
-          </p:nvPr>
-        </p:nvGraphicFramePr>
-        <p:xfrm>
-          <a:off x="3394043" y="4062984"/>
-          <a:ext cx="5029200" cy="2514600"/>
-        </p:xfrm>
-        <a:graphic>
-          <a:graphicData uri="http://schemas.openxmlformats.org/drawingml/2006/table">
-            <a:tbl>
-              <a:tblPr>
-                <a:tableStyleId>{5C22544A-7EE6-4342-B048-85BDC9FD1C3A}</a:tableStyleId>
-              </a:tblPr>
-              <a:tblGrid>
-                <a:gridCol w="1255715">
-                  <a:extLst>
-                    <a:ext uri="{9D8B030D-6E8A-4147-A177-3AD203B41FA5}">
-                      <a16:colId xmlns:a16="http://schemas.microsoft.com/office/drawing/2014/main" val="20000"/>
-                    </a:ext>
-                  </a:extLst>
-                </a:gridCol>
-                <a:gridCol w="1588669">
-                  <a:extLst>
-                    <a:ext uri="{9D8B030D-6E8A-4147-A177-3AD203B41FA5}">
-                      <a16:colId xmlns:a16="http://schemas.microsoft.com/office/drawing/2014/main" val="20001"/>
-                    </a:ext>
-                  </a:extLst>
-                </a:gridCol>
-                <a:gridCol w="1281082">
-                  <a:extLst>
-                    <a:ext uri="{9D8B030D-6E8A-4147-A177-3AD203B41FA5}">
-                      <a16:colId xmlns:a16="http://schemas.microsoft.com/office/drawing/2014/main" val="20002"/>
-                    </a:ext>
-                  </a:extLst>
-                </a:gridCol>
-                <a:gridCol w="903734">
-                  <a:extLst>
-                    <a:ext uri="{9D8B030D-6E8A-4147-A177-3AD203B41FA5}">
-                      <a16:colId xmlns:a16="http://schemas.microsoft.com/office/drawing/2014/main" val="20003"/>
-                    </a:ext>
-                  </a:extLst>
-                </a:gridCol>
-              </a:tblGrid>
-              <a:tr h="228600">
-                <a:tc gridSpan="3">
-                  <a:txBody>
-                    <a:bodyPr/>
-                    <a:lstStyle/>
-                    <a:p>
-                      <a:pPr algn="l" rtl="0" fontAlgn="ctr"/>
-                      <a:r>
-                        <a:rPr lang="ru-RU" sz="1400" u="none" strike="noStrike" dirty="0">
-                          <a:effectLst>
-                            <a:outerShdw blurRad="50800" dist="38100" algn="tr" rotWithShape="0">
-                              <a:prstClr val="black">
-                                <a:alpha val="40000"/>
-                              </a:prstClr>
-                            </a:outerShdw>
-                          </a:effectLst>
-                        </a:rPr>
-                        <a:t>Коэффициент психологической взаимности</a:t>
-                      </a:r>
-                      <a:endParaRPr lang="ru-RU" sz="1400" b="0" i="1" u="none" strike="noStrike" dirty="0">
-                        <a:solidFill>
-                          <a:srgbClr val="000000"/>
-                        </a:solidFill>
-                        <a:effectLst>
-                          <a:outerShdw blurRad="50800" dist="38100" algn="tr" rotWithShape="0">
-                            <a:prstClr val="black">
-                              <a:alpha val="40000"/>
-                            </a:prstClr>
-                          </a:outerShdw>
-                        </a:effectLst>
-                        <a:latin typeface="Tahoma"/>
-                      </a:endParaRPr>
-                    </a:p>
-                  </a:txBody>
-                  <a:tcPr marL="9525" marR="9525" marT="9525" marB="0" anchor="ctr"/>
-                </a:tc>
-                <a:tc hMerge="1">
-                  <a:txBody>
-                    <a:bodyPr/>
-                    <a:lstStyle/>
-                    <a:p>
-                      <a:endParaRPr lang="ru-RU"/>
-                    </a:p>
-                  </a:txBody>
-                  <a:tcPr/>
-                </a:tc>
-                <a:tc hMerge="1">
-                  <a:txBody>
-                    <a:bodyPr/>
-                    <a:lstStyle/>
-                    <a:p>
-                      <a:endParaRPr lang="ru-RU"/>
-                    </a:p>
-                  </a:txBody>
-                  <a:tcPr/>
-                </a:tc>
-                <a:tc>
-                  <a:txBody>
-                    <a:bodyPr/>
-                    <a:lstStyle/>
-                    <a:p>
-                      <a:pPr algn="l" fontAlgn="b"/>
-                      <a:endParaRPr lang="ru-RU" sz="1100" b="0" i="0" u="none" strike="noStrike">
-                        <a:solidFill>
-                          <a:srgbClr val="000000"/>
-                        </a:solidFill>
-                        <a:effectLst/>
-                        <a:latin typeface="Calibri"/>
-                      </a:endParaRPr>
-                    </a:p>
-                  </a:txBody>
-                  <a:tcPr marL="9525" marR="9525" marT="9525" marB="0" anchor="b"/>
-                </a:tc>
-                <a:extLst>
-                  <a:ext uri="{0D108BD9-81ED-4DB2-BD59-A6C34878D82A}">
-                    <a16:rowId xmlns:a16="http://schemas.microsoft.com/office/drawing/2014/main" val="10000"/>
-                  </a:ext>
-                </a:extLst>
-              </a:tr>
-              <a:tr h="457200">
-                <a:tc>
-                  <a:txBody>
-                    <a:bodyPr/>
-                    <a:lstStyle/>
-                    <a:p>
-                      <a:pPr algn="l" rtl="0" fontAlgn="ctr"/>
-                      <a:r>
-                        <a:rPr lang="ru-RU" sz="1400" u="none" strike="noStrike">
-                          <a:effectLst>
-                            <a:outerShdw blurRad="50800" dist="38100" algn="tr" rotWithShape="0">
-                              <a:prstClr val="black">
-                                <a:alpha val="40000"/>
-                              </a:prstClr>
-                            </a:outerShdw>
-                          </a:effectLst>
-                        </a:rPr>
-                        <a:t>Вид общения</a:t>
-                      </a:r>
-                      <a:endParaRPr lang="ru-RU" sz="1400" b="0" i="0" u="none" strike="noStrike">
-                        <a:solidFill>
-                          <a:srgbClr val="000000"/>
-                        </a:solidFill>
-                        <a:effectLst>
-                          <a:outerShdw blurRad="50800" dist="38100" algn="tr" rotWithShape="0">
-                            <a:prstClr val="black">
-                              <a:alpha val="40000"/>
-                            </a:prstClr>
-                          </a:outerShdw>
-                        </a:effectLst>
-                        <a:latin typeface="Tahoma"/>
-                      </a:endParaRPr>
-                    </a:p>
-                  </a:txBody>
-                  <a:tcPr marL="9525" marR="9525" marT="9525" marB="0" anchor="ctr"/>
-                </a:tc>
-                <a:tc>
-                  <a:txBody>
-                    <a:bodyPr/>
-                    <a:lstStyle/>
-                    <a:p>
-                      <a:pPr algn="l" rtl="0" fontAlgn="ctr"/>
-                      <a:r>
-                        <a:rPr lang="ru-RU" sz="1400" u="none" strike="noStrike" dirty="0">
-                          <a:effectLst>
-                            <a:outerShdw blurRad="50800" dist="38100" algn="tr" rotWithShape="0">
-                              <a:prstClr val="black">
-                                <a:alpha val="40000"/>
-                              </a:prstClr>
-                            </a:outerShdw>
-                          </a:effectLst>
-                        </a:rPr>
-                        <a:t>Неавторитетное</a:t>
-                      </a:r>
-                      <a:endParaRPr lang="ru-RU" sz="1400" b="0" i="0" u="none" strike="noStrike" dirty="0">
-                        <a:solidFill>
-                          <a:srgbClr val="000000"/>
-                        </a:solidFill>
-                        <a:effectLst>
-                          <a:outerShdw blurRad="50800" dist="38100" algn="tr" rotWithShape="0">
-                            <a:prstClr val="black">
-                              <a:alpha val="40000"/>
-                            </a:prstClr>
-                          </a:outerShdw>
-                        </a:effectLst>
-                        <a:latin typeface="Tahoma"/>
-                      </a:endParaRPr>
-                    </a:p>
-                  </a:txBody>
-                  <a:tcPr marL="9525" marR="9525" marT="9525" marB="0" anchor="ctr"/>
-                </a:tc>
-                <a:tc>
-                  <a:txBody>
-                    <a:bodyPr/>
-                    <a:lstStyle/>
-                    <a:p>
-                      <a:pPr algn="l" rtl="0" fontAlgn="ctr"/>
-                      <a:r>
-                        <a:rPr lang="ru-RU" sz="1400" u="none" strike="noStrike" dirty="0">
-                          <a:effectLst>
-                            <a:outerShdw blurRad="50800" dist="38100" algn="tr" rotWithShape="0">
-                              <a:prstClr val="black">
-                                <a:alpha val="40000"/>
-                              </a:prstClr>
-                            </a:outerShdw>
-                          </a:effectLst>
-                        </a:rPr>
-                        <a:t>Авторитетное </a:t>
-                      </a:r>
-                      <a:endParaRPr lang="ru-RU" sz="1400" b="0" i="0" u="none" strike="noStrike" dirty="0">
-                        <a:solidFill>
-                          <a:srgbClr val="000000"/>
-                        </a:solidFill>
-                        <a:effectLst>
-                          <a:outerShdw blurRad="50800" dist="38100" algn="tr" rotWithShape="0">
-                            <a:prstClr val="black">
-                              <a:alpha val="40000"/>
-                            </a:prstClr>
-                          </a:outerShdw>
-                        </a:effectLst>
-                        <a:latin typeface="Tahoma"/>
-                      </a:endParaRPr>
-                    </a:p>
-                  </a:txBody>
-                  <a:tcPr marL="9525" marR="9525" marT="9525" marB="0" anchor="ctr"/>
-                </a:tc>
-                <a:tc>
-                  <a:txBody>
-                    <a:bodyPr/>
-                    <a:lstStyle/>
-                    <a:p>
-                      <a:pPr algn="l" rtl="0" fontAlgn="ctr"/>
-                      <a:r>
-                        <a:rPr lang="ru-RU" sz="1400" u="none" strike="noStrike">
-                          <a:effectLst>
-                            <a:outerShdw blurRad="50800" dist="38100" algn="tr" rotWithShape="0">
-                              <a:prstClr val="black">
-                                <a:alpha val="40000"/>
-                              </a:prstClr>
-                            </a:outerShdw>
-                          </a:effectLst>
-                        </a:rPr>
-                        <a:t>Средние пок-ли</a:t>
-                      </a:r>
-                      <a:endParaRPr lang="ru-RU" sz="1400" b="0" i="0" u="none" strike="noStrike">
-                        <a:solidFill>
-                          <a:srgbClr val="000000"/>
-                        </a:solidFill>
-                        <a:effectLst>
-                          <a:outerShdw blurRad="50800" dist="38100" algn="tr" rotWithShape="0">
-                            <a:prstClr val="black">
-                              <a:alpha val="40000"/>
-                            </a:prstClr>
-                          </a:outerShdw>
-                        </a:effectLst>
-                        <a:latin typeface="Tahoma"/>
-                      </a:endParaRPr>
-                    </a:p>
-                  </a:txBody>
-                  <a:tcPr marL="9525" marR="9525" marT="9525" marB="0" anchor="ctr"/>
-                </a:tc>
-                <a:extLst>
-                  <a:ext uri="{0D108BD9-81ED-4DB2-BD59-A6C34878D82A}">
-                    <a16:rowId xmlns:a16="http://schemas.microsoft.com/office/drawing/2014/main" val="10001"/>
-                  </a:ext>
-                </a:extLst>
-              </a:tr>
-              <a:tr h="228600">
-                <a:tc>
-                  <a:txBody>
-                    <a:bodyPr/>
-                    <a:lstStyle/>
-                    <a:p>
-                      <a:pPr algn="l" rtl="0" fontAlgn="ctr"/>
-                      <a:r>
-                        <a:rPr lang="ru-RU" sz="1400" u="none" strike="noStrike">
-                          <a:effectLst>
-                            <a:outerShdw blurRad="50800" dist="38100" algn="tr" rotWithShape="0">
-                              <a:prstClr val="black">
-                                <a:alpha val="40000"/>
-                              </a:prstClr>
-                            </a:outerShdw>
-                          </a:effectLst>
-                        </a:rPr>
-                        <a:t>Не формальн</a:t>
-                      </a:r>
-                      <a:endParaRPr lang="ru-RU" sz="1400" b="0" i="0" u="none" strike="noStrike">
-                        <a:solidFill>
-                          <a:srgbClr val="000000"/>
-                        </a:solidFill>
-                        <a:effectLst>
-                          <a:outerShdw blurRad="50800" dist="38100" algn="tr" rotWithShape="0">
-                            <a:prstClr val="black">
-                              <a:alpha val="40000"/>
-                            </a:prstClr>
-                          </a:outerShdw>
-                        </a:effectLst>
-                        <a:latin typeface="Tahoma"/>
-                      </a:endParaRPr>
-                    </a:p>
-                  </a:txBody>
-                  <a:tcPr marL="9525" marR="9525" marT="9525" marB="0" anchor="ctr"/>
-                </a:tc>
-                <a:tc>
-                  <a:txBody>
-                    <a:bodyPr/>
-                    <a:lstStyle/>
-                    <a:p>
-                      <a:pPr algn="l" rtl="0" fontAlgn="ctr"/>
-                      <a:r>
-                        <a:rPr lang="ru-RU" sz="1400" u="none" strike="noStrike">
-                          <a:effectLst>
-                            <a:outerShdw blurRad="50800" dist="38100" algn="tr" rotWithShape="0">
-                              <a:prstClr val="black">
-                                <a:alpha val="40000"/>
-                              </a:prstClr>
-                            </a:outerShdw>
-                          </a:effectLst>
-                        </a:rPr>
-                        <a:t>(1А) 8.333%</a:t>
-                      </a:r>
-                      <a:endParaRPr lang="ru-RU" sz="1400" b="0" i="0" u="none" strike="noStrike">
-                        <a:solidFill>
-                          <a:srgbClr val="000000"/>
-                        </a:solidFill>
-                        <a:effectLst>
-                          <a:outerShdw blurRad="50800" dist="38100" algn="tr" rotWithShape="0">
-                            <a:prstClr val="black">
-                              <a:alpha val="40000"/>
-                            </a:prstClr>
-                          </a:outerShdw>
-                        </a:effectLst>
-                        <a:latin typeface="Tahoma"/>
-                      </a:endParaRPr>
-                    </a:p>
-                  </a:txBody>
-                  <a:tcPr marL="9525" marR="9525" marT="9525" marB="0" anchor="ctr"/>
-                </a:tc>
-                <a:tc>
-                  <a:txBody>
-                    <a:bodyPr/>
-                    <a:lstStyle/>
-                    <a:p>
-                      <a:pPr algn="l" rtl="0" fontAlgn="ctr"/>
-                      <a:r>
-                        <a:rPr lang="ru-RU" sz="1400" u="none" strike="noStrike">
-                          <a:effectLst>
-                            <a:outerShdw blurRad="50800" dist="38100" algn="tr" rotWithShape="0">
-                              <a:prstClr val="black">
-                                <a:alpha val="40000"/>
-                              </a:prstClr>
-                            </a:outerShdw>
-                          </a:effectLst>
-                        </a:rPr>
-                        <a:t>(2Б) 3.667%</a:t>
-                      </a:r>
-                      <a:endParaRPr lang="ru-RU" sz="1400" b="0" i="0" u="none" strike="noStrike">
-                        <a:solidFill>
-                          <a:srgbClr val="000000"/>
-                        </a:solidFill>
-                        <a:effectLst>
-                          <a:outerShdw blurRad="50800" dist="38100" algn="tr" rotWithShape="0">
-                            <a:prstClr val="black">
-                              <a:alpha val="40000"/>
-                            </a:prstClr>
-                          </a:outerShdw>
-                        </a:effectLst>
-                        <a:latin typeface="Tahoma"/>
-                      </a:endParaRPr>
-                    </a:p>
-                  </a:txBody>
-                  <a:tcPr marL="9525" marR="9525" marT="9525" marB="0" anchor="ctr"/>
-                </a:tc>
-                <a:tc>
-                  <a:txBody>
-                    <a:bodyPr/>
-                    <a:lstStyle/>
-                    <a:p>
-                      <a:pPr algn="l" rtl="0" fontAlgn="ctr"/>
-                      <a:r>
-                        <a:rPr lang="ru-RU" sz="1400" u="none" strike="noStrike">
-                          <a:effectLst>
-                            <a:outerShdw blurRad="50800" dist="38100" algn="tr" rotWithShape="0">
-                              <a:prstClr val="black">
-                                <a:alpha val="40000"/>
-                              </a:prstClr>
-                            </a:outerShdw>
-                          </a:effectLst>
-                        </a:rPr>
-                        <a:t>6,25%</a:t>
-                      </a:r>
-                      <a:endParaRPr lang="ru-RU" sz="1400" b="0" i="0" u="none" strike="noStrike">
-                        <a:solidFill>
-                          <a:srgbClr val="000000"/>
-                        </a:solidFill>
-                        <a:effectLst>
-                          <a:outerShdw blurRad="50800" dist="38100" algn="tr" rotWithShape="0">
-                            <a:prstClr val="black">
-                              <a:alpha val="40000"/>
-                            </a:prstClr>
-                          </a:outerShdw>
-                        </a:effectLst>
-                        <a:latin typeface="Tahoma"/>
-                      </a:endParaRPr>
-                    </a:p>
-                  </a:txBody>
-                  <a:tcPr marL="9525" marR="9525" marT="9525" marB="0" anchor="ctr"/>
-                </a:tc>
-                <a:extLst>
-                  <a:ext uri="{0D108BD9-81ED-4DB2-BD59-A6C34878D82A}">
-                    <a16:rowId xmlns:a16="http://schemas.microsoft.com/office/drawing/2014/main" val="10002"/>
-                  </a:ext>
-                </a:extLst>
-              </a:tr>
-              <a:tr h="685800">
-                <a:tc>
-                  <a:txBody>
-                    <a:bodyPr/>
-                    <a:lstStyle/>
-                    <a:p>
-                      <a:pPr algn="l" fontAlgn="t"/>
-                      <a:r>
-                        <a:rPr lang="ru-RU" sz="1800" u="none" strike="noStrike">
-                          <a:effectLst/>
-                        </a:rPr>
-                        <a:t> </a:t>
-                      </a:r>
-                      <a:endParaRPr lang="ru-RU" sz="1800" b="0" i="0" u="none" strike="noStrike">
-                        <a:solidFill>
-                          <a:srgbClr val="000000"/>
-                        </a:solidFill>
-                        <a:effectLst/>
-                        <a:latin typeface="Arial"/>
-                      </a:endParaRPr>
-                    </a:p>
-                  </a:txBody>
-                  <a:tcPr marL="9525" marR="9525" marT="9525" marB="0"/>
-                </a:tc>
-                <a:tc>
-                  <a:txBody>
-                    <a:bodyPr/>
-                    <a:lstStyle/>
-                    <a:p>
-                      <a:pPr algn="l" rtl="0" fontAlgn="ctr"/>
-                      <a:r>
-                        <a:rPr lang="ru-RU" sz="1400" u="none" strike="noStrike">
-                          <a:effectLst>
-                            <a:outerShdw blurRad="50800" dist="38100" algn="tr" rotWithShape="0">
-                              <a:prstClr val="black">
-                                <a:alpha val="40000"/>
-                              </a:prstClr>
-                            </a:outerShdw>
-                          </a:effectLst>
-                        </a:rPr>
-                        <a:t>Менее значимое (актуал.)</a:t>
-                      </a:r>
-                      <a:endParaRPr lang="ru-RU" sz="1400" b="0" i="0" u="none" strike="noStrike">
-                        <a:solidFill>
-                          <a:srgbClr val="000000"/>
-                        </a:solidFill>
-                        <a:effectLst>
-                          <a:outerShdw blurRad="50800" dist="38100" algn="tr" rotWithShape="0">
-                            <a:prstClr val="black">
-                              <a:alpha val="40000"/>
-                            </a:prstClr>
-                          </a:outerShdw>
-                        </a:effectLst>
-                        <a:latin typeface="Tahoma"/>
-                      </a:endParaRPr>
-                    </a:p>
-                  </a:txBody>
-                  <a:tcPr marL="9525" marR="9525" marT="9525" marB="0" anchor="ctr"/>
-                </a:tc>
-                <a:tc>
-                  <a:txBody>
-                    <a:bodyPr/>
-                    <a:lstStyle/>
-                    <a:p>
-                      <a:pPr algn="l" rtl="0" fontAlgn="ctr"/>
-                      <a:r>
-                        <a:rPr lang="ru-RU" sz="1400" u="none" strike="noStrike">
-                          <a:effectLst>
-                            <a:outerShdw blurRad="50800" dist="38100" algn="tr" rotWithShape="0">
-                              <a:prstClr val="black">
-                                <a:alpha val="40000"/>
-                              </a:prstClr>
-                            </a:outerShdw>
-                          </a:effectLst>
-                        </a:rPr>
-                        <a:t>Более значимое (неакт.)</a:t>
-                      </a:r>
-                      <a:endParaRPr lang="ru-RU" sz="1400" b="0" i="0" u="none" strike="noStrike">
-                        <a:solidFill>
-                          <a:srgbClr val="000000"/>
-                        </a:solidFill>
-                        <a:effectLst>
-                          <a:outerShdw blurRad="50800" dist="38100" algn="tr" rotWithShape="0">
-                            <a:prstClr val="black">
-                              <a:alpha val="40000"/>
-                            </a:prstClr>
-                          </a:outerShdw>
-                        </a:effectLst>
-                        <a:latin typeface="Tahoma"/>
-                      </a:endParaRPr>
-                    </a:p>
-                  </a:txBody>
-                  <a:tcPr marL="9525" marR="9525" marT="9525" marB="0" anchor="ctr"/>
-                </a:tc>
-                <a:tc>
-                  <a:txBody>
-                    <a:bodyPr/>
-                    <a:lstStyle/>
-                    <a:p>
-                      <a:pPr algn="l" fontAlgn="t"/>
-                      <a:r>
-                        <a:rPr lang="ru-RU" sz="1800" u="none" strike="noStrike" dirty="0">
-                          <a:effectLst/>
-                        </a:rPr>
-                        <a:t> </a:t>
-                      </a:r>
-                      <a:endParaRPr lang="ru-RU" sz="1800" b="0" i="0" u="none" strike="noStrike" dirty="0">
-                        <a:solidFill>
-                          <a:srgbClr val="000000"/>
-                        </a:solidFill>
-                        <a:effectLst/>
-                        <a:latin typeface="Arial"/>
-                      </a:endParaRPr>
-                    </a:p>
-                  </a:txBody>
-                  <a:tcPr marL="9525" marR="9525" marT="9525" marB="0"/>
-                </a:tc>
-                <a:extLst>
-                  <a:ext uri="{0D108BD9-81ED-4DB2-BD59-A6C34878D82A}">
-                    <a16:rowId xmlns:a16="http://schemas.microsoft.com/office/drawing/2014/main" val="10003"/>
-                  </a:ext>
-                </a:extLst>
-              </a:tr>
-              <a:tr h="228600">
-                <a:tc>
-                  <a:txBody>
-                    <a:bodyPr/>
-                    <a:lstStyle/>
-                    <a:p>
-                      <a:pPr algn="l" rtl="0" fontAlgn="ctr"/>
-                      <a:r>
-                        <a:rPr lang="ru-RU" sz="1400" u="none" strike="noStrike">
-                          <a:effectLst>
-                            <a:outerShdw blurRad="50800" dist="38100" algn="tr" rotWithShape="0">
-                              <a:prstClr val="black">
-                                <a:alpha val="40000"/>
-                              </a:prstClr>
-                            </a:outerShdw>
-                          </a:effectLst>
-                        </a:rPr>
-                        <a:t>Формальн</a:t>
-                      </a:r>
-                      <a:endParaRPr lang="ru-RU" sz="1400" b="0" i="0" u="none" strike="noStrike">
-                        <a:solidFill>
-                          <a:srgbClr val="000000"/>
-                        </a:solidFill>
-                        <a:effectLst>
-                          <a:outerShdw blurRad="50800" dist="38100" algn="tr" rotWithShape="0">
-                            <a:prstClr val="black">
-                              <a:alpha val="40000"/>
-                            </a:prstClr>
-                          </a:outerShdw>
-                        </a:effectLst>
-                        <a:latin typeface="Tahoma"/>
-                      </a:endParaRPr>
-                    </a:p>
-                  </a:txBody>
-                  <a:tcPr marL="9525" marR="9525" marT="9525" marB="0" anchor="ctr"/>
-                </a:tc>
-                <a:tc>
-                  <a:txBody>
-                    <a:bodyPr/>
-                    <a:lstStyle/>
-                    <a:p>
-                      <a:pPr algn="l" rtl="0" fontAlgn="ctr"/>
-                      <a:r>
-                        <a:rPr lang="ru-RU" sz="1400" u="none" strike="noStrike">
-                          <a:effectLst>
-                            <a:outerShdw blurRad="50800" dist="38100" algn="tr" rotWithShape="0">
-                              <a:prstClr val="black">
-                                <a:alpha val="40000"/>
-                              </a:prstClr>
-                            </a:outerShdw>
-                          </a:effectLst>
-                        </a:rPr>
-                        <a:t>(3В) 4.667%</a:t>
-                      </a:r>
-                      <a:endParaRPr lang="ru-RU" sz="1400" b="0" i="0" u="none" strike="noStrike">
-                        <a:solidFill>
-                          <a:srgbClr val="000000"/>
-                        </a:solidFill>
-                        <a:effectLst>
-                          <a:outerShdw blurRad="50800" dist="38100" algn="tr" rotWithShape="0">
-                            <a:prstClr val="black">
-                              <a:alpha val="40000"/>
-                            </a:prstClr>
-                          </a:outerShdw>
-                        </a:effectLst>
-                        <a:latin typeface="Tahoma"/>
-                      </a:endParaRPr>
-                    </a:p>
-                  </a:txBody>
-                  <a:tcPr marL="9525" marR="9525" marT="9525" marB="0" anchor="ctr"/>
-                </a:tc>
-                <a:tc>
-                  <a:txBody>
-                    <a:bodyPr/>
-                    <a:lstStyle/>
-                    <a:p>
-                      <a:pPr algn="l" rtl="0" fontAlgn="ctr"/>
-                      <a:r>
-                        <a:rPr lang="ru-RU" sz="1400" u="none" strike="noStrike">
-                          <a:effectLst>
-                            <a:outerShdw blurRad="50800" dist="38100" algn="tr" rotWithShape="0">
-                              <a:prstClr val="black">
-                                <a:alpha val="40000"/>
-                              </a:prstClr>
-                            </a:outerShdw>
-                          </a:effectLst>
-                        </a:rPr>
-                        <a:t>(5Д) 3.333%</a:t>
-                      </a:r>
-                      <a:endParaRPr lang="ru-RU" sz="1400" b="0" i="0" u="none" strike="noStrike">
-                        <a:solidFill>
-                          <a:srgbClr val="000000"/>
-                        </a:solidFill>
-                        <a:effectLst>
-                          <a:outerShdw blurRad="50800" dist="38100" algn="tr" rotWithShape="0">
-                            <a:prstClr val="black">
-                              <a:alpha val="40000"/>
-                            </a:prstClr>
-                          </a:outerShdw>
-                        </a:effectLst>
-                        <a:latin typeface="Tahoma"/>
-                      </a:endParaRPr>
-                    </a:p>
-                  </a:txBody>
-                  <a:tcPr marL="9525" marR="9525" marT="9525" marB="0" anchor="ctr"/>
-                </a:tc>
-                <a:tc>
-                  <a:txBody>
-                    <a:bodyPr/>
-                    <a:lstStyle/>
-                    <a:p>
-                      <a:pPr algn="l" rtl="0" fontAlgn="ctr"/>
-                      <a:r>
-                        <a:rPr lang="ru-RU" sz="1400" u="none" strike="noStrike">
-                          <a:effectLst>
-                            <a:outerShdw blurRad="50800" dist="38100" algn="tr" rotWithShape="0">
-                              <a:prstClr val="black">
-                                <a:alpha val="40000"/>
-                              </a:prstClr>
-                            </a:outerShdw>
-                          </a:effectLst>
-                        </a:rPr>
-                        <a:t> </a:t>
-                      </a:r>
-                      <a:endParaRPr lang="ru-RU" sz="1400" b="0" i="0" u="none" strike="noStrike">
-                        <a:solidFill>
-                          <a:srgbClr val="000000"/>
-                        </a:solidFill>
-                        <a:effectLst>
-                          <a:outerShdw blurRad="50800" dist="38100" algn="tr" rotWithShape="0">
-                            <a:prstClr val="black">
-                              <a:alpha val="40000"/>
-                            </a:prstClr>
-                          </a:outerShdw>
-                        </a:effectLst>
-                        <a:latin typeface="Tahoma"/>
-                      </a:endParaRPr>
-                    </a:p>
-                  </a:txBody>
-                  <a:tcPr marL="9525" marR="9525" marT="9525" marB="0" anchor="ctr"/>
-                </a:tc>
-                <a:extLst>
-                  <a:ext uri="{0D108BD9-81ED-4DB2-BD59-A6C34878D82A}">
-                    <a16:rowId xmlns:a16="http://schemas.microsoft.com/office/drawing/2014/main" val="10004"/>
-                  </a:ext>
-                </a:extLst>
-              </a:tr>
-              <a:tr h="228600">
-                <a:tc>
-                  <a:txBody>
-                    <a:bodyPr/>
-                    <a:lstStyle/>
-                    <a:p>
-                      <a:pPr algn="l" fontAlgn="b"/>
-                      <a:r>
-                        <a:rPr lang="ru-RU" sz="1100" u="none" strike="noStrike">
-                          <a:effectLst/>
-                        </a:rPr>
-                        <a:t> </a:t>
-                      </a:r>
-                      <a:endParaRPr lang="ru-RU" sz="1100" b="0" i="0" u="none" strike="noStrike">
-                        <a:solidFill>
-                          <a:srgbClr val="000000"/>
-                        </a:solidFill>
-                        <a:effectLst/>
-                        <a:latin typeface="Calibri"/>
-                      </a:endParaRPr>
-                    </a:p>
-                  </a:txBody>
-                  <a:tcPr marL="9525" marR="9525" marT="9525" marB="0" anchor="b"/>
-                </a:tc>
-                <a:tc>
-                  <a:txBody>
-                    <a:bodyPr/>
-                    <a:lstStyle/>
-                    <a:p>
-                      <a:pPr algn="l" rtl="0" fontAlgn="ctr"/>
-                      <a:r>
-                        <a:rPr lang="ru-RU" sz="1400" u="none" strike="noStrike">
-                          <a:effectLst>
-                            <a:outerShdw blurRad="50800" dist="38100" algn="tr" rotWithShape="0">
-                              <a:prstClr val="black">
-                                <a:alpha val="40000"/>
-                              </a:prstClr>
-                            </a:outerShdw>
-                          </a:effectLst>
-                        </a:rPr>
-                        <a:t>(4Г) 5.667%</a:t>
-                      </a:r>
-                      <a:endParaRPr lang="ru-RU" sz="1400" b="0" i="0" u="none" strike="noStrike">
-                        <a:solidFill>
-                          <a:srgbClr val="000000"/>
-                        </a:solidFill>
-                        <a:effectLst>
-                          <a:outerShdw blurRad="50800" dist="38100" algn="tr" rotWithShape="0">
-                            <a:prstClr val="black">
-                              <a:alpha val="40000"/>
-                            </a:prstClr>
-                          </a:outerShdw>
-                        </a:effectLst>
-                        <a:latin typeface="Tahoma"/>
-                      </a:endParaRPr>
-                    </a:p>
-                  </a:txBody>
-                  <a:tcPr marL="9525" marR="9525" marT="9525" marB="0" anchor="ctr"/>
-                </a:tc>
-                <a:tc>
-                  <a:txBody>
-                    <a:bodyPr/>
-                    <a:lstStyle/>
-                    <a:p>
-                      <a:pPr algn="l" rtl="0" fontAlgn="ctr"/>
-                      <a:r>
-                        <a:rPr lang="ru-RU" sz="1400" u="none" strike="noStrike">
-                          <a:effectLst>
-                            <a:outerShdw blurRad="50800" dist="38100" algn="tr" rotWithShape="0">
-                              <a:prstClr val="black">
-                                <a:alpha val="40000"/>
-                              </a:prstClr>
-                            </a:outerShdw>
-                          </a:effectLst>
-                        </a:rPr>
-                        <a:t>(6Е) 5.0%</a:t>
-                      </a:r>
-                      <a:endParaRPr lang="ru-RU" sz="1400" b="0" i="0" u="none" strike="noStrike">
-                        <a:solidFill>
-                          <a:srgbClr val="000000"/>
-                        </a:solidFill>
-                        <a:effectLst>
-                          <a:outerShdw blurRad="50800" dist="38100" algn="tr" rotWithShape="0">
-                            <a:prstClr val="black">
-                              <a:alpha val="40000"/>
-                            </a:prstClr>
-                          </a:outerShdw>
-                        </a:effectLst>
-                        <a:latin typeface="Tahoma"/>
-                      </a:endParaRPr>
-                    </a:p>
-                  </a:txBody>
-                  <a:tcPr marL="9525" marR="9525" marT="9525" marB="0" anchor="ctr"/>
-                </a:tc>
-                <a:tc>
-                  <a:txBody>
-                    <a:bodyPr/>
-                    <a:lstStyle/>
-                    <a:p>
-                      <a:pPr algn="l" fontAlgn="b"/>
-                      <a:r>
-                        <a:rPr lang="ru-RU" sz="1100" u="none" strike="noStrike">
-                          <a:effectLst/>
-                        </a:rPr>
-                        <a:t> </a:t>
-                      </a:r>
-                      <a:endParaRPr lang="ru-RU" sz="1100" b="0" i="0" u="none" strike="noStrike">
-                        <a:solidFill>
-                          <a:srgbClr val="000000"/>
-                        </a:solidFill>
-                        <a:effectLst/>
-                        <a:latin typeface="Calibri"/>
-                      </a:endParaRPr>
-                    </a:p>
-                  </a:txBody>
-                  <a:tcPr marL="9525" marR="9525" marT="9525" marB="0" anchor="b"/>
-                </a:tc>
-                <a:extLst>
-                  <a:ext uri="{0D108BD9-81ED-4DB2-BD59-A6C34878D82A}">
-                    <a16:rowId xmlns:a16="http://schemas.microsoft.com/office/drawing/2014/main" val="10005"/>
-                  </a:ext>
-                </a:extLst>
-              </a:tr>
-              <a:tr h="457200">
-                <a:tc>
-                  <a:txBody>
-                    <a:bodyPr/>
-                    <a:lstStyle/>
-                    <a:p>
-                      <a:pPr algn="l" rtl="0" fontAlgn="ctr"/>
-                      <a:r>
-                        <a:rPr lang="ru-RU" sz="1400" u="none" strike="noStrike">
-                          <a:effectLst>
-                            <a:outerShdw blurRad="50800" dist="38100" algn="tr" rotWithShape="0">
-                              <a:prstClr val="black">
-                                <a:alpha val="40000"/>
-                              </a:prstClr>
-                            </a:outerShdw>
-                          </a:effectLst>
-                        </a:rPr>
-                        <a:t>Средние пок-ли</a:t>
-                      </a:r>
-                      <a:endParaRPr lang="ru-RU" sz="1400" b="0" i="0" u="none" strike="noStrike">
-                        <a:solidFill>
-                          <a:srgbClr val="000000"/>
-                        </a:solidFill>
-                        <a:effectLst>
-                          <a:outerShdw blurRad="50800" dist="38100" algn="tr" rotWithShape="0">
-                            <a:prstClr val="black">
-                              <a:alpha val="40000"/>
-                            </a:prstClr>
-                          </a:outerShdw>
-                        </a:effectLst>
-                        <a:latin typeface="Tahoma"/>
-                      </a:endParaRPr>
-                    </a:p>
-                  </a:txBody>
-                  <a:tcPr marL="9525" marR="9525" marT="9525" marB="0" anchor="ctr"/>
-                </a:tc>
-                <a:tc>
-                  <a:txBody>
-                    <a:bodyPr/>
-                    <a:lstStyle/>
-                    <a:p>
-                      <a:pPr algn="ctr" rtl="0" fontAlgn="ctr"/>
-                      <a:r>
-                        <a:rPr lang="ru-RU" sz="1400" u="none" strike="noStrike">
-                          <a:effectLst>
-                            <a:outerShdw blurRad="50800" dist="38100" algn="tr" rotWithShape="0">
-                              <a:prstClr val="black">
-                                <a:alpha val="40000"/>
-                              </a:prstClr>
-                            </a:outerShdw>
-                          </a:effectLst>
-                        </a:rPr>
-                        <a:t>5,17%</a:t>
-                      </a:r>
-                      <a:endParaRPr lang="ru-RU" sz="1400" b="0" i="0" u="none" strike="noStrike">
-                        <a:solidFill>
-                          <a:srgbClr val="000000"/>
-                        </a:solidFill>
-                        <a:effectLst>
-                          <a:outerShdw blurRad="50800" dist="38100" algn="tr" rotWithShape="0">
-                            <a:prstClr val="black">
-                              <a:alpha val="40000"/>
-                            </a:prstClr>
-                          </a:outerShdw>
-                        </a:effectLst>
-                        <a:latin typeface="Tahoma"/>
-                      </a:endParaRPr>
-                    </a:p>
-                  </a:txBody>
-                  <a:tcPr marL="9525" marR="9525" marT="9525" marB="0" anchor="ctr"/>
-                </a:tc>
-                <a:tc>
-                  <a:txBody>
-                    <a:bodyPr/>
-                    <a:lstStyle/>
-                    <a:p>
-                      <a:pPr algn="ctr" rtl="0" fontAlgn="ctr"/>
-                      <a:r>
-                        <a:rPr lang="ru-RU" sz="1400" u="none" strike="noStrike">
-                          <a:effectLst>
-                            <a:outerShdw blurRad="50800" dist="38100" algn="tr" rotWithShape="0">
-                              <a:prstClr val="black">
-                                <a:alpha val="40000"/>
-                              </a:prstClr>
-                            </a:outerShdw>
-                          </a:effectLst>
-                        </a:rPr>
-                        <a:t>4,17%</a:t>
-                      </a:r>
-                      <a:endParaRPr lang="ru-RU" sz="1400" b="0" i="0" u="none" strike="noStrike">
-                        <a:solidFill>
-                          <a:srgbClr val="000000"/>
-                        </a:solidFill>
-                        <a:effectLst>
-                          <a:outerShdw blurRad="50800" dist="38100" algn="tr" rotWithShape="0">
-                            <a:prstClr val="black">
-                              <a:alpha val="40000"/>
-                            </a:prstClr>
-                          </a:outerShdw>
-                        </a:effectLst>
-                        <a:latin typeface="Tahoma"/>
-                      </a:endParaRPr>
-                    </a:p>
-                  </a:txBody>
-                  <a:tcPr marL="9525" marR="9525" marT="9525" marB="0" anchor="ctr"/>
-                </a:tc>
-                <a:tc>
-                  <a:txBody>
-                    <a:bodyPr/>
-                    <a:lstStyle/>
-                    <a:p>
-                      <a:pPr algn="l" fontAlgn="b"/>
-                      <a:r>
-                        <a:rPr lang="ru-RU" sz="1100" u="none" strike="noStrike" dirty="0">
-                          <a:effectLst/>
-                        </a:rPr>
-                        <a:t> </a:t>
-                      </a:r>
-                      <a:endParaRPr lang="ru-RU" sz="1100" b="0" i="0" u="none" strike="noStrike" dirty="0">
-                        <a:solidFill>
-                          <a:srgbClr val="000000"/>
-                        </a:solidFill>
-                        <a:effectLst/>
-                        <a:latin typeface="Calibri"/>
-                      </a:endParaRPr>
-                    </a:p>
-                  </a:txBody>
-                  <a:tcPr marL="9525" marR="9525" marT="9525" marB="0" anchor="b"/>
-                </a:tc>
-                <a:extLst>
-                  <a:ext uri="{0D108BD9-81ED-4DB2-BD59-A6C34878D82A}">
-                    <a16:rowId xmlns:a16="http://schemas.microsoft.com/office/drawing/2014/main" val="10006"/>
-                  </a:ext>
-                </a:extLst>
-              </a:tr>
-            </a:tbl>
-          </a:graphicData>
-        </a:graphic>
-      </p:graphicFrame>
       <p:sp>
         <p:nvSpPr>
           <p:cNvPr id="25" name="Заголовок 1">
@@ -17964,18 +14099,18 @@
         <a:srgbClr val="B2B2B2"/>
       </a:folHlink>
     </a:clrScheme>
-    <a:fontScheme name="Basis">
+    <a:fontScheme name="Calibri">
       <a:majorFont>
-        <a:latin typeface="Corbel"/>
+        <a:latin typeface="Calibri" panose="020F0502020204030204"/>
         <a:ea typeface=""/>
         <a:cs typeface=""/>
-        <a:font script="Jpan" typeface="ＭＳ ゴシック"/>
+        <a:font script="Jpan" typeface="メイリオ"/>
         <a:font script="Hang" typeface="맑은 고딕"/>
         <a:font script="Hans" typeface="宋体"/>
         <a:font script="Hant" typeface="新細明體"/>
-        <a:font script="Arab" typeface="Tahoma"/>
-        <a:font script="Hebr" typeface="Gisha"/>
-        <a:font script="Thai" typeface="DilleniaUPC"/>
+        <a:font script="Arab" typeface="Arial"/>
+        <a:font script="Hebr" typeface="Arial"/>
+        <a:font script="Thai" typeface="Cordia New"/>
         <a:font script="Ethi" typeface="Nyala"/>
         <a:font script="Beng" typeface="Vrinda"/>
         <a:font script="Gujr" typeface="Shruti"/>
@@ -18001,16 +14136,16 @@
         <a:font script="Geor" typeface="Sylfaen"/>
       </a:majorFont>
       <a:minorFont>
-        <a:latin typeface="Corbel"/>
+        <a:latin typeface="Calibri" panose="020F0502020204030204"/>
         <a:ea typeface=""/>
         <a:cs typeface=""/>
-        <a:font script="Jpan" typeface="ＭＳ ゴシック"/>
+        <a:font script="Jpan" typeface="メイリオ"/>
         <a:font script="Hang" typeface="맑은 고딕"/>
         <a:font script="Hans" typeface="宋体"/>
         <a:font script="Hant" typeface="新細明體"/>
-        <a:font script="Arab" typeface="Tahoma"/>
-        <a:font script="Hebr" typeface="Gisha"/>
-        <a:font script="Thai" typeface="DilleniaUPC"/>
+        <a:font script="Arab" typeface="Arial"/>
+        <a:font script="Hebr" typeface="Arial"/>
+        <a:font script="Thai" typeface="Cordia New"/>
         <a:font script="Ethi" typeface="Nyala"/>
         <a:font script="Beng" typeface="Vrinda"/>
         <a:font script="Gujr" typeface="Shruti"/>
@@ -18031,7 +14166,7 @@
         <a:font script="Laoo" typeface="DokChampa"/>
         <a:font script="Sinh" typeface="Iskoola Pota"/>
         <a:font script="Mong" typeface="Mongolian Baiti"/>
-        <a:font script="Viet" typeface="Verdana"/>
+        <a:font script="Viet" typeface="Tahoma"/>
         <a:font script="Uigh" typeface="Microsoft Uighur"/>
         <a:font script="Geor" typeface="Sylfaen"/>
       </a:minorFont>
